--- a/machine-learning-using-python/Machine Learning with Python.pptx
+++ b/machine-learning-using-python/Machine Learning with Python.pptx
@@ -7,10 +7,18 @@
   <p:sldIdLst>
     <p:sldId id="256" r:id="rId2"/>
     <p:sldId id="257" r:id="rId3"/>
-    <p:sldId id="258" r:id="rId4"/>
-    <p:sldId id="259" r:id="rId5"/>
-    <p:sldId id="260" r:id="rId6"/>
-    <p:sldId id="261" r:id="rId7"/>
+    <p:sldId id="269" r:id="rId4"/>
+    <p:sldId id="263" r:id="rId5"/>
+    <p:sldId id="264" r:id="rId6"/>
+    <p:sldId id="265" r:id="rId7"/>
+    <p:sldId id="266" r:id="rId8"/>
+    <p:sldId id="267" r:id="rId9"/>
+    <p:sldId id="268" r:id="rId10"/>
+    <p:sldId id="258" r:id="rId11"/>
+    <p:sldId id="259" r:id="rId12"/>
+    <p:sldId id="260" r:id="rId13"/>
+    <p:sldId id="261" r:id="rId14"/>
+    <p:sldId id="262" r:id="rId15"/>
   </p:sldIdLst>
   <p:sldSz cx="12192000" cy="6858000"/>
   <p:notesSz cx="6858000" cy="9144000"/>
@@ -264,7 +272,7 @@
           <a:p>
             <a:fld id="{FEE13333-95AC-49D2-AE87-249519AF0812}" type="datetimeFigureOut">
               <a:rPr lang="en-US" smtClean="0"/>
-              <a:t>2/13/2018</a:t>
+              <a:t>2/21/2018</a:t>
             </a:fld>
             <a:endParaRPr lang="en-US"/>
           </a:p>
@@ -462,7 +470,7 @@
           <a:p>
             <a:fld id="{FEE13333-95AC-49D2-AE87-249519AF0812}" type="datetimeFigureOut">
               <a:rPr lang="en-US" smtClean="0"/>
-              <a:t>2/13/2018</a:t>
+              <a:t>2/21/2018</a:t>
             </a:fld>
             <a:endParaRPr lang="en-US"/>
           </a:p>
@@ -670,7 +678,7 @@
           <a:p>
             <a:fld id="{FEE13333-95AC-49D2-AE87-249519AF0812}" type="datetimeFigureOut">
               <a:rPr lang="en-US" smtClean="0"/>
-              <a:t>2/13/2018</a:t>
+              <a:t>2/21/2018</a:t>
             </a:fld>
             <a:endParaRPr lang="en-US"/>
           </a:p>
@@ -868,7 +876,7 @@
           <a:p>
             <a:fld id="{FEE13333-95AC-49D2-AE87-249519AF0812}" type="datetimeFigureOut">
               <a:rPr lang="en-US" smtClean="0"/>
-              <a:t>2/13/2018</a:t>
+              <a:t>2/21/2018</a:t>
             </a:fld>
             <a:endParaRPr lang="en-US"/>
           </a:p>
@@ -1143,7 +1151,7 @@
           <a:p>
             <a:fld id="{FEE13333-95AC-49D2-AE87-249519AF0812}" type="datetimeFigureOut">
               <a:rPr lang="en-US" smtClean="0"/>
-              <a:t>2/13/2018</a:t>
+              <a:t>2/21/2018</a:t>
             </a:fld>
             <a:endParaRPr lang="en-US"/>
           </a:p>
@@ -1408,7 +1416,7 @@
           <a:p>
             <a:fld id="{FEE13333-95AC-49D2-AE87-249519AF0812}" type="datetimeFigureOut">
               <a:rPr lang="en-US" smtClean="0"/>
-              <a:t>2/13/2018</a:t>
+              <a:t>2/21/2018</a:t>
             </a:fld>
             <a:endParaRPr lang="en-US"/>
           </a:p>
@@ -1820,7 +1828,7 @@
           <a:p>
             <a:fld id="{FEE13333-95AC-49D2-AE87-249519AF0812}" type="datetimeFigureOut">
               <a:rPr lang="en-US" smtClean="0"/>
-              <a:t>2/13/2018</a:t>
+              <a:t>2/21/2018</a:t>
             </a:fld>
             <a:endParaRPr lang="en-US"/>
           </a:p>
@@ -1961,7 +1969,7 @@
           <a:p>
             <a:fld id="{FEE13333-95AC-49D2-AE87-249519AF0812}" type="datetimeFigureOut">
               <a:rPr lang="en-US" smtClean="0"/>
-              <a:t>2/13/2018</a:t>
+              <a:t>2/21/2018</a:t>
             </a:fld>
             <a:endParaRPr lang="en-US"/>
           </a:p>
@@ -2074,7 +2082,7 @@
           <a:p>
             <a:fld id="{FEE13333-95AC-49D2-AE87-249519AF0812}" type="datetimeFigureOut">
               <a:rPr lang="en-US" smtClean="0"/>
-              <a:t>2/13/2018</a:t>
+              <a:t>2/21/2018</a:t>
             </a:fld>
             <a:endParaRPr lang="en-US"/>
           </a:p>
@@ -2385,7 +2393,7 @@
           <a:p>
             <a:fld id="{FEE13333-95AC-49D2-AE87-249519AF0812}" type="datetimeFigureOut">
               <a:rPr lang="en-US" smtClean="0"/>
-              <a:t>2/13/2018</a:t>
+              <a:t>2/21/2018</a:t>
             </a:fld>
             <a:endParaRPr lang="en-US"/>
           </a:p>
@@ -2673,7 +2681,7 @@
           <a:p>
             <a:fld id="{FEE13333-95AC-49D2-AE87-249519AF0812}" type="datetimeFigureOut">
               <a:rPr lang="en-US" smtClean="0"/>
-              <a:t>2/13/2018</a:t>
+              <a:t>2/21/2018</a:t>
             </a:fld>
             <a:endParaRPr lang="en-US"/>
           </a:p>
@@ -2914,7 +2922,7 @@
           <a:p>
             <a:fld id="{FEE13333-95AC-49D2-AE87-249519AF0812}" type="datetimeFigureOut">
               <a:rPr lang="en-US" smtClean="0"/>
-              <a:t>2/13/2018</a:t>
+              <a:t>2/21/2018</a:t>
             </a:fld>
             <a:endParaRPr lang="en-US"/>
           </a:p>
@@ -3375,10 +3383,15 @@
             <p:ph type="subTitle" idx="1"/>
           </p:nvPr>
         </p:nvSpPr>
-        <p:spPr/>
+        <p:spPr>
+          <a:xfrm>
+            <a:off x="1524000" y="3602037"/>
+            <a:ext cx="9144000" cy="2335123"/>
+          </a:xfrm>
+        </p:spPr>
         <p:txBody>
           <a:bodyPr>
-            <a:normAutofit lnSpcReduction="10000"/>
+            <a:normAutofit/>
           </a:bodyPr>
           <a:lstStyle/>
           <a:p>
@@ -3396,9 +3409,15 @@
               <a:t>Varun </a:t>
             </a:r>
             <a:r>
-              <a:rPr lang="en-US" dirty="0" err="1"/>
+              <a:rPr lang="en-US" dirty="0" err="1" smtClean="0"/>
               <a:t>Aravinth</a:t>
             </a:r>
+            <a:endParaRPr lang="en-US" dirty="0" smtClean="0"/>
+          </a:p>
+          <a:p>
+            <a:endParaRPr lang="en-US" dirty="0"/>
+          </a:p>
+          <a:p>
             <a:endParaRPr lang="en-US" dirty="0"/>
           </a:p>
         </p:txBody>
@@ -3413,281 +3432,17 @@
   <p:clrMapOvr>
     <a:masterClrMapping/>
   </p:clrMapOvr>
+  <p:timing>
+    <p:tnLst>
+      <p:par>
+        <p:cTn id="1" dur="indefinite" restart="never" nodeType="tmRoot"/>
+      </p:par>
+    </p:tnLst>
+  </p:timing>
 </p:sld>
 </file>
 
-<file path=ppt/slides/slide2.xml><?xml version="1.0" encoding="utf-8"?>
-<p:sld xmlns:a="http://schemas.openxmlformats.org/drawingml/2006/main" xmlns:r="http://schemas.openxmlformats.org/officeDocument/2006/relationships" xmlns:p="http://schemas.openxmlformats.org/presentationml/2006/main">
-  <p:cSld>
-    <p:bg>
-      <p:bgPr>
-        <a:solidFill>
-          <a:schemeClr val="bg1"/>
-        </a:solidFill>
-        <a:effectLst/>
-      </p:bgPr>
-    </p:bg>
-    <p:spTree>
-      <p:nvGrpSpPr>
-        <p:cNvPr id="1" name=""/>
-        <p:cNvGrpSpPr/>
-        <p:nvPr/>
-      </p:nvGrpSpPr>
-      <p:grpSpPr>
-        <a:xfrm>
-          <a:off x="0" y="0"/>
-          <a:ext cx="0" cy="0"/>
-          <a:chOff x="0" y="0"/>
-          <a:chExt cx="0" cy="0"/>
-        </a:xfrm>
-      </p:grpSpPr>
-      <p:sp>
-        <p:nvSpPr>
-          <p:cNvPr id="10" name="Rectangle 9">
-            <a:extLst>
-              <a:ext uri="{FF2B5EF4-FFF2-40B4-BE49-F238E27FC236}">
-                <a16:creationId xmlns:a16="http://schemas.microsoft.com/office/drawing/2014/main" xmlns="" id="{047C8CCB-F95D-4249-92DD-651249D3535A}"/>
-              </a:ext>
-            </a:extLst>
-          </p:cNvPr>
-          <p:cNvSpPr>
-            <a:spLocks noGrp="1" noRot="1" noChangeAspect="1" noMove="1" noResize="1" noEditPoints="1" noAdjustHandles="1" noChangeArrowheads="1" noChangeShapeType="1" noTextEdit="1"/>
-          </p:cNvSpPr>
-          <p:nvPr>
-            <p:extLst>
-              <p:ext uri="{386F3935-93C4-4BCD-93E2-E3B085C9AB24}">
-                <p16:designElem xmlns:p16="http://schemas.microsoft.com/office/powerpoint/2015/main" xmlns="" val="1"/>
-              </p:ext>
-            </p:extLst>
-          </p:nvPr>
-        </p:nvSpPr>
-        <p:spPr>
-          <a:xfrm>
-            <a:off x="0" y="0"/>
-            <a:ext cx="2013557" cy="6858000"/>
-          </a:xfrm>
-          <a:prstGeom prst="rect">
-            <a:avLst/>
-          </a:prstGeom>
-          <a:solidFill>
-            <a:schemeClr val="tx1">
-              <a:lumMod val="50000"/>
-              <a:lumOff val="50000"/>
-            </a:schemeClr>
-          </a:solidFill>
-          <a:ln>
-            <a:noFill/>
-          </a:ln>
-        </p:spPr>
-        <p:style>
-          <a:lnRef idx="2">
-            <a:schemeClr val="accent1">
-              <a:shade val="50000"/>
-            </a:schemeClr>
-          </a:lnRef>
-          <a:fillRef idx="1">
-            <a:schemeClr val="accent1"/>
-          </a:fillRef>
-          <a:effectRef idx="0">
-            <a:schemeClr val="accent1"/>
-          </a:effectRef>
-          <a:fontRef idx="minor">
-            <a:schemeClr val="lt1"/>
-          </a:fontRef>
-        </p:style>
-        <p:txBody>
-          <a:bodyPr rtlCol="0" anchor="ctr"/>
-          <a:lstStyle/>
-          <a:p>
-            <a:pPr algn="ctr"/>
-            <a:endParaRPr lang="en-US"/>
-          </a:p>
-        </p:txBody>
-      </p:sp>
-      <p:pic>
-        <p:nvPicPr>
-          <p:cNvPr id="5" name="Content Placeholder 4">
-            <a:extLst>
-              <a:ext uri="{FF2B5EF4-FFF2-40B4-BE49-F238E27FC236}">
-                <a16:creationId xmlns:a16="http://schemas.microsoft.com/office/drawing/2014/main" xmlns="" id="{C43B10D7-FFCF-4C81-84F6-2E54FC187BBF}"/>
-              </a:ext>
-            </a:extLst>
-          </p:cNvPr>
-          <p:cNvPicPr>
-            <a:picLocks noGrp="1" noChangeAspect="1"/>
-          </p:cNvPicPr>
-          <p:nvPr>
-            <p:ph idx="1"/>
-          </p:nvPr>
-        </p:nvPicPr>
-        <p:blipFill>
-          <a:blip r:embed="rId2">
-            <a:extLst>
-              <a:ext uri="{28A0092B-C50C-407E-A947-70E740481C1C}">
-                <a14:useLocalDpi xmlns:a14="http://schemas.microsoft.com/office/drawing/2010/main" val="0"/>
-              </a:ext>
-            </a:extLst>
-          </a:blip>
-          <a:stretch>
-            <a:fillRect/>
-          </a:stretch>
-        </p:blipFill>
-        <p:spPr>
-          <a:xfrm>
-            <a:off x="4432044" y="166380"/>
-            <a:ext cx="4367524" cy="2183762"/>
-          </a:xfrm>
-          <a:prstGeom prst="rect">
-            <a:avLst/>
-          </a:prstGeom>
-        </p:spPr>
-      </p:pic>
-      <p:sp>
-        <p:nvSpPr>
-          <p:cNvPr id="2" name="Title 1">
-            <a:extLst>
-              <a:ext uri="{FF2B5EF4-FFF2-40B4-BE49-F238E27FC236}">
-                <a16:creationId xmlns:a16="http://schemas.microsoft.com/office/drawing/2014/main" xmlns="" id="{C93F85CD-6066-4732-B0C6-5409B061EB06}"/>
-              </a:ext>
-            </a:extLst>
-          </p:cNvPr>
-          <p:cNvSpPr>
-            <a:spLocks noGrp="1"/>
-          </p:cNvSpPr>
-          <p:nvPr>
-            <p:ph type="title"/>
-          </p:nvPr>
-        </p:nvSpPr>
-        <p:spPr>
-          <a:xfrm>
-            <a:off x="640080" y="2074363"/>
-            <a:ext cx="2752354" cy="2709275"/>
-          </a:xfrm>
-          <a:prstGeom prst="ellipse">
-            <a:avLst/>
-          </a:prstGeom>
-          <a:solidFill>
-            <a:schemeClr val="tx1">
-              <a:lumMod val="85000"/>
-              <a:lumOff val="15000"/>
-            </a:schemeClr>
-          </a:solidFill>
-          <a:ln w="174625" cmpd="thinThick">
-            <a:solidFill>
-              <a:schemeClr val="tx1">
-                <a:lumMod val="85000"/>
-                <a:lumOff val="15000"/>
-              </a:schemeClr>
-            </a:solidFill>
-          </a:ln>
-        </p:spPr>
-        <p:txBody>
-          <a:bodyPr vert="horz" lIns="91440" tIns="45720" rIns="91440" bIns="45720" rtlCol="0" anchor="ctr">
-            <a:normAutofit/>
-          </a:bodyPr>
-          <a:lstStyle/>
-          <a:p>
-            <a:pPr algn="ctr"/>
-            <a:r>
-              <a:rPr lang="en-US" sz="2600" kern="1200">
-                <a:solidFill>
-                  <a:schemeClr val="bg1"/>
-                </a:solidFill>
-                <a:latin typeface="+mj-lt"/>
-                <a:ea typeface="+mj-ea"/>
-                <a:cs typeface="+mj-cs"/>
-              </a:rPr>
-              <a:t>Why Python ?</a:t>
-            </a:r>
-          </a:p>
-        </p:txBody>
-      </p:sp>
-      <p:sp>
-        <p:nvSpPr>
-          <p:cNvPr id="6" name="TextBox 5">
-            <a:extLst>
-              <a:ext uri="{FF2B5EF4-FFF2-40B4-BE49-F238E27FC236}">
-                <a16:creationId xmlns:a16="http://schemas.microsoft.com/office/drawing/2014/main" xmlns="" id="{42FAC7CE-952E-4631-BE69-455441E08E24}"/>
-              </a:ext>
-            </a:extLst>
-          </p:cNvPr>
-          <p:cNvSpPr txBox="1"/>
-          <p:nvPr/>
-        </p:nvSpPr>
-        <p:spPr>
-          <a:xfrm>
-            <a:off x="6096000" y="3459871"/>
-            <a:ext cx="6585995" cy="1754326"/>
-          </a:xfrm>
-          <a:prstGeom prst="rect">
-            <a:avLst/>
-          </a:prstGeom>
-          <a:noFill/>
-        </p:spPr>
-        <p:txBody>
-          <a:bodyPr wrap="square" rtlCol="0">
-            <a:spAutoFit/>
-          </a:bodyPr>
-          <a:lstStyle/>
-          <a:p>
-            <a:pPr marL="285750" indent="-285750">
-              <a:buFont typeface="Arial" panose="020B0604020202020204" pitchFamily="34" charset="0"/>
-              <a:buChar char="•"/>
-            </a:pPr>
-            <a:r>
-              <a:rPr lang="en-US" dirty="0"/>
-              <a:t>Easy Syntax</a:t>
-            </a:r>
-          </a:p>
-          <a:p>
-            <a:endParaRPr lang="en-US" dirty="0"/>
-          </a:p>
-          <a:p>
-            <a:pPr marL="285750" indent="-285750">
-              <a:buFont typeface="Arial" panose="020B0604020202020204" pitchFamily="34" charset="0"/>
-              <a:buChar char="•"/>
-            </a:pPr>
-            <a:r>
-              <a:rPr lang="en-US" dirty="0"/>
-              <a:t>Modules : Do anything</a:t>
-            </a:r>
-          </a:p>
-          <a:p>
-            <a:pPr marL="285750" indent="-285750">
-              <a:buFont typeface="Arial" panose="020B0604020202020204" pitchFamily="34" charset="0"/>
-              <a:buChar char="•"/>
-            </a:pPr>
-            <a:endParaRPr lang="en-US" dirty="0"/>
-          </a:p>
-          <a:p>
-            <a:pPr marL="285750" indent="-285750">
-              <a:buFont typeface="Arial" panose="020B0604020202020204" pitchFamily="34" charset="0"/>
-              <a:buChar char="•"/>
-            </a:pPr>
-            <a:r>
-              <a:rPr lang="en-US" dirty="0"/>
-              <a:t>And it gives you wings</a:t>
-            </a:r>
-          </a:p>
-          <a:p>
-            <a:endParaRPr lang="en-US" dirty="0"/>
-          </a:p>
-        </p:txBody>
-      </p:sp>
-    </p:spTree>
-    <p:extLst>
-      <p:ext uri="{BB962C8B-B14F-4D97-AF65-F5344CB8AC3E}">
-        <p14:creationId xmlns:p14="http://schemas.microsoft.com/office/powerpoint/2010/main" val="179063133"/>
-      </p:ext>
-    </p:extLst>
-  </p:cSld>
-  <p:clrMapOvr>
-    <a:masterClrMapping/>
-  </p:clrMapOvr>
-</p:sld>
-</file>
-
-<file path=ppt/slides/slide3.xml><?xml version="1.0" encoding="utf-8"?>
+<file path=ppt/slides/slide10.xml><?xml version="1.0" encoding="utf-8"?>
 <p:sld xmlns:a="http://schemas.openxmlformats.org/drawingml/2006/main" xmlns:r="http://schemas.openxmlformats.org/officeDocument/2006/relationships" xmlns:p="http://schemas.openxmlformats.org/presentationml/2006/main">
   <p:cSld>
     <p:bg>
@@ -4165,7 +3920,7 @@
 </p:sld>
 </file>
 
-<file path=ppt/slides/slide4.xml><?xml version="1.0" encoding="utf-8"?>
+<file path=ppt/slides/slide11.xml><?xml version="1.0" encoding="utf-8"?>
 <p:sld xmlns:a="http://schemas.openxmlformats.org/drawingml/2006/main" xmlns:r="http://schemas.openxmlformats.org/officeDocument/2006/relationships" xmlns:p="http://schemas.openxmlformats.org/presentationml/2006/main">
   <p:cSld>
     <p:bg>
@@ -4470,7 +4225,7 @@
 </p:sld>
 </file>
 
-<file path=ppt/slides/slide5.xml><?xml version="1.0" encoding="utf-8"?>
+<file path=ppt/slides/slide12.xml><?xml version="1.0" encoding="utf-8"?>
 <p:sld xmlns:a="http://schemas.openxmlformats.org/drawingml/2006/main" xmlns:r="http://schemas.openxmlformats.org/officeDocument/2006/relationships" xmlns:p="http://schemas.openxmlformats.org/presentationml/2006/main">
   <p:cSld>
     <p:bg>
@@ -4725,6 +4480,853 @@
 </p:sld>
 </file>
 
+<file path=ppt/slides/slide13.xml><?xml version="1.0" encoding="utf-8"?>
+<p:sld xmlns:a="http://schemas.openxmlformats.org/drawingml/2006/main" xmlns:r="http://schemas.openxmlformats.org/officeDocument/2006/relationships" xmlns:p="http://schemas.openxmlformats.org/presentationml/2006/main">
+  <p:cSld>
+    <p:spTree>
+      <p:nvGrpSpPr>
+        <p:cNvPr id="1" name=""/>
+        <p:cNvGrpSpPr/>
+        <p:nvPr/>
+      </p:nvGrpSpPr>
+      <p:grpSpPr>
+        <a:xfrm>
+          <a:off x="0" y="0"/>
+          <a:ext cx="0" cy="0"/>
+          <a:chOff x="0" y="0"/>
+          <a:chExt cx="0" cy="0"/>
+        </a:xfrm>
+      </p:grpSpPr>
+      <p:sp>
+        <p:nvSpPr>
+          <p:cNvPr id="2" name="Title 1"/>
+          <p:cNvSpPr>
+            <a:spLocks noGrp="1"/>
+          </p:cNvSpPr>
+          <p:nvPr>
+            <p:ph type="title"/>
+          </p:nvPr>
+        </p:nvSpPr>
+        <p:spPr/>
+        <p:txBody>
+          <a:bodyPr/>
+          <a:lstStyle/>
+          <a:p>
+            <a:r>
+              <a:rPr lang="en-IN" dirty="0" smtClean="0"/>
+              <a:t>               Data Science - Introduction</a:t>
+            </a:r>
+            <a:endParaRPr lang="en-IN" dirty="0"/>
+          </a:p>
+        </p:txBody>
+      </p:sp>
+      <p:sp>
+        <p:nvSpPr>
+          <p:cNvPr id="3" name="Content Placeholder 2"/>
+          <p:cNvSpPr>
+            <a:spLocks noGrp="1"/>
+          </p:cNvSpPr>
+          <p:nvPr>
+            <p:ph idx="1"/>
+          </p:nvPr>
+        </p:nvSpPr>
+        <p:spPr>
+          <a:xfrm>
+            <a:off x="838200" y="1825625"/>
+            <a:ext cx="10515600" cy="4351338"/>
+          </a:xfrm>
+        </p:spPr>
+        <p:txBody>
+          <a:bodyPr>
+            <a:normAutofit fontScale="92500" lnSpcReduction="10000"/>
+          </a:bodyPr>
+          <a:lstStyle/>
+          <a:p>
+            <a:r>
+              <a:rPr lang="en-IN" dirty="0" smtClean="0"/>
+              <a:t>NumPy – Numeric Python</a:t>
+            </a:r>
+          </a:p>
+          <a:p>
+            <a:pPr marL="0" indent="0">
+              <a:buNone/>
+            </a:pPr>
+            <a:r>
+              <a:rPr lang="en-IN" sz="1800" dirty="0" smtClean="0"/>
+              <a:t>	NumPy </a:t>
+            </a:r>
+            <a:r>
+              <a:rPr lang="en-IN" sz="1800" dirty="0"/>
+              <a:t>is a Python package. It stands for 'Numerical Python'. It is a library consisting of multidimensional </a:t>
+            </a:r>
+            <a:r>
+              <a:rPr lang="en-IN" sz="1800" dirty="0" smtClean="0"/>
+              <a:t>	array objects </a:t>
+            </a:r>
+            <a:r>
+              <a:rPr lang="en-IN" sz="1800" dirty="0"/>
+              <a:t>and a collection of routines for processing of array</a:t>
+            </a:r>
+            <a:r>
+              <a:rPr lang="en-IN" sz="1800" dirty="0" smtClean="0"/>
+              <a:t>.</a:t>
+            </a:r>
+          </a:p>
+          <a:p>
+            <a:pPr marL="0" indent="0">
+              <a:buNone/>
+            </a:pPr>
+            <a:r>
+              <a:rPr lang="en-IN" sz="1800" dirty="0" smtClean="0"/>
+              <a:t>	Numeric + Numarray</a:t>
+            </a:r>
+          </a:p>
+          <a:p>
+            <a:pPr marL="0" indent="0">
+              <a:buNone/>
+            </a:pPr>
+            <a:endParaRPr lang="en-IN" sz="1800" dirty="0" smtClean="0"/>
+          </a:p>
+          <a:p>
+            <a:endParaRPr lang="en-IN" dirty="0"/>
+          </a:p>
+          <a:p>
+            <a:r>
+              <a:rPr lang="en-IN" dirty="0" smtClean="0"/>
+              <a:t>Why NumPy when you have lists ?</a:t>
+            </a:r>
+          </a:p>
+          <a:p>
+            <a:endParaRPr lang="en-IN" dirty="0"/>
+          </a:p>
+          <a:p>
+            <a:r>
+              <a:rPr lang="en-IN" dirty="0" smtClean="0"/>
+              <a:t>Detail Analysis</a:t>
+            </a:r>
+          </a:p>
+          <a:p>
+            <a:endParaRPr lang="en-IN" dirty="0"/>
+          </a:p>
+          <a:p>
+            <a:r>
+              <a:rPr lang="en-IN" dirty="0" smtClean="0"/>
+              <a:t>Datasets for NumPy</a:t>
+            </a:r>
+            <a:endParaRPr lang="en-IN" dirty="0"/>
+          </a:p>
+        </p:txBody>
+      </p:sp>
+    </p:spTree>
+    <p:extLst>
+      <p:ext uri="{BB962C8B-B14F-4D97-AF65-F5344CB8AC3E}">
+        <p14:creationId xmlns:p14="http://schemas.microsoft.com/office/powerpoint/2010/main" val="1847141217"/>
+      </p:ext>
+    </p:extLst>
+  </p:cSld>
+  <p:clrMapOvr>
+    <a:masterClrMapping/>
+  </p:clrMapOvr>
+</p:sld>
+</file>
+
+<file path=ppt/slides/slide14.xml><?xml version="1.0" encoding="utf-8"?>
+<p:sld xmlns:a="http://schemas.openxmlformats.org/drawingml/2006/main" xmlns:r="http://schemas.openxmlformats.org/officeDocument/2006/relationships" xmlns:p="http://schemas.openxmlformats.org/presentationml/2006/main">
+  <p:cSld>
+    <p:spTree>
+      <p:nvGrpSpPr>
+        <p:cNvPr id="1" name=""/>
+        <p:cNvGrpSpPr/>
+        <p:nvPr/>
+      </p:nvGrpSpPr>
+      <p:grpSpPr>
+        <a:xfrm>
+          <a:off x="0" y="0"/>
+          <a:ext cx="0" cy="0"/>
+          <a:chOff x="0" y="0"/>
+          <a:chExt cx="0" cy="0"/>
+        </a:xfrm>
+      </p:grpSpPr>
+      <p:pic>
+        <p:nvPicPr>
+          <p:cNvPr id="6" name="Content Placeholder 3"/>
+          <p:cNvPicPr>
+            <a:picLocks noGrp="1" noChangeAspect="1"/>
+          </p:cNvPicPr>
+          <p:nvPr>
+            <p:ph idx="1"/>
+          </p:nvPr>
+        </p:nvPicPr>
+        <p:blipFill>
+          <a:blip r:embed="rId2">
+            <a:extLst>
+              <a:ext uri="{28A0092B-C50C-407E-A947-70E740481C1C}">
+                <a14:useLocalDpi xmlns:a14="http://schemas.microsoft.com/office/drawing/2010/main" val="0"/>
+              </a:ext>
+            </a:extLst>
+          </a:blip>
+          <a:stretch>
+            <a:fillRect/>
+          </a:stretch>
+        </p:blipFill>
+        <p:spPr>
+          <a:xfrm>
+            <a:off x="542791" y="1300766"/>
+            <a:ext cx="3861784" cy="1377492"/>
+          </a:xfrm>
+          <a:prstGeom prst="rect">
+            <a:avLst/>
+          </a:prstGeom>
+        </p:spPr>
+      </p:pic>
+      <p:sp>
+        <p:nvSpPr>
+          <p:cNvPr id="9" name="TextBox 8"/>
+          <p:cNvSpPr txBox="1"/>
+          <p:nvPr/>
+        </p:nvSpPr>
+        <p:spPr>
+          <a:xfrm>
+            <a:off x="5306096" y="1804846"/>
+            <a:ext cx="5692462" cy="523220"/>
+          </a:xfrm>
+          <a:prstGeom prst="rect">
+            <a:avLst/>
+          </a:prstGeom>
+          <a:noFill/>
+        </p:spPr>
+        <p:txBody>
+          <a:bodyPr wrap="square" rtlCol="0">
+            <a:spAutoFit/>
+          </a:bodyPr>
+          <a:lstStyle/>
+          <a:p>
+            <a:r>
+              <a:rPr lang="en-IN" sz="2800" b="1" dirty="0"/>
+              <a:t>https://github.com/VarunAravinth</a:t>
+            </a:r>
+          </a:p>
+        </p:txBody>
+      </p:sp>
+      <p:sp>
+        <p:nvSpPr>
+          <p:cNvPr id="11" name="Rectangle 10"/>
+          <p:cNvSpPr/>
+          <p:nvPr/>
+        </p:nvSpPr>
+        <p:spPr>
+          <a:xfrm>
+            <a:off x="4182502" y="3819255"/>
+            <a:ext cx="2590324" cy="769441"/>
+          </a:xfrm>
+          <a:prstGeom prst="rect">
+            <a:avLst/>
+          </a:prstGeom>
+        </p:spPr>
+        <p:txBody>
+          <a:bodyPr wrap="none">
+            <a:spAutoFit/>
+          </a:bodyPr>
+          <a:lstStyle/>
+          <a:p>
+            <a:r>
+              <a:rPr lang="en-IN" dirty="0"/>
+              <a:t> </a:t>
+            </a:r>
+            <a:r>
+              <a:rPr lang="en-IN" sz="4400" dirty="0" smtClean="0"/>
+              <a:t>Thank You</a:t>
+            </a:r>
+            <a:endParaRPr lang="en-IN" dirty="0"/>
+          </a:p>
+        </p:txBody>
+      </p:sp>
+    </p:spTree>
+    <p:extLst>
+      <p:ext uri="{BB962C8B-B14F-4D97-AF65-F5344CB8AC3E}">
+        <p14:creationId xmlns:p14="http://schemas.microsoft.com/office/powerpoint/2010/main" val="754636116"/>
+      </p:ext>
+    </p:extLst>
+  </p:cSld>
+  <p:clrMapOvr>
+    <a:masterClrMapping/>
+  </p:clrMapOvr>
+</p:sld>
+</file>
+
+<file path=ppt/slides/slide2.xml><?xml version="1.0" encoding="utf-8"?>
+<p:sld xmlns:a="http://schemas.openxmlformats.org/drawingml/2006/main" xmlns:r="http://schemas.openxmlformats.org/officeDocument/2006/relationships" xmlns:p="http://schemas.openxmlformats.org/presentationml/2006/main">
+  <p:cSld>
+    <p:bg>
+      <p:bgPr>
+        <a:solidFill>
+          <a:schemeClr val="bg1"/>
+        </a:solidFill>
+        <a:effectLst/>
+      </p:bgPr>
+    </p:bg>
+    <p:spTree>
+      <p:nvGrpSpPr>
+        <p:cNvPr id="1" name=""/>
+        <p:cNvGrpSpPr/>
+        <p:nvPr/>
+      </p:nvGrpSpPr>
+      <p:grpSpPr>
+        <a:xfrm>
+          <a:off x="0" y="0"/>
+          <a:ext cx="0" cy="0"/>
+          <a:chOff x="0" y="0"/>
+          <a:chExt cx="0" cy="0"/>
+        </a:xfrm>
+      </p:grpSpPr>
+      <p:sp>
+        <p:nvSpPr>
+          <p:cNvPr id="10" name="Rectangle 9">
+            <a:extLst>
+              <a:ext uri="{FF2B5EF4-FFF2-40B4-BE49-F238E27FC236}">
+                <a16:creationId xmlns:a16="http://schemas.microsoft.com/office/drawing/2014/main" xmlns="" id="{047C8CCB-F95D-4249-92DD-651249D3535A}"/>
+              </a:ext>
+            </a:extLst>
+          </p:cNvPr>
+          <p:cNvSpPr>
+            <a:spLocks noGrp="1" noRot="1" noChangeAspect="1" noMove="1" noResize="1" noEditPoints="1" noAdjustHandles="1" noChangeArrowheads="1" noChangeShapeType="1" noTextEdit="1"/>
+          </p:cNvSpPr>
+          <p:nvPr>
+            <p:extLst>
+              <p:ext uri="{386F3935-93C4-4BCD-93E2-E3B085C9AB24}">
+                <p16:designElem xmlns:p16="http://schemas.microsoft.com/office/powerpoint/2015/main" xmlns="" val="1"/>
+              </p:ext>
+            </p:extLst>
+          </p:nvPr>
+        </p:nvSpPr>
+        <p:spPr>
+          <a:xfrm>
+            <a:off x="0" y="0"/>
+            <a:ext cx="2013557" cy="6858000"/>
+          </a:xfrm>
+          <a:prstGeom prst="rect">
+            <a:avLst/>
+          </a:prstGeom>
+          <a:solidFill>
+            <a:schemeClr val="tx1">
+              <a:lumMod val="50000"/>
+              <a:lumOff val="50000"/>
+            </a:schemeClr>
+          </a:solidFill>
+          <a:ln>
+            <a:noFill/>
+          </a:ln>
+        </p:spPr>
+        <p:style>
+          <a:lnRef idx="2">
+            <a:schemeClr val="accent1">
+              <a:shade val="50000"/>
+            </a:schemeClr>
+          </a:lnRef>
+          <a:fillRef idx="1">
+            <a:schemeClr val="accent1"/>
+          </a:fillRef>
+          <a:effectRef idx="0">
+            <a:schemeClr val="accent1"/>
+          </a:effectRef>
+          <a:fontRef idx="minor">
+            <a:schemeClr val="lt1"/>
+          </a:fontRef>
+        </p:style>
+        <p:txBody>
+          <a:bodyPr rtlCol="0" anchor="ctr"/>
+          <a:lstStyle/>
+          <a:p>
+            <a:pPr algn="ctr"/>
+            <a:endParaRPr lang="en-US"/>
+          </a:p>
+        </p:txBody>
+      </p:sp>
+      <p:pic>
+        <p:nvPicPr>
+          <p:cNvPr id="5" name="Content Placeholder 4">
+            <a:extLst>
+              <a:ext uri="{FF2B5EF4-FFF2-40B4-BE49-F238E27FC236}">
+                <a16:creationId xmlns:a16="http://schemas.microsoft.com/office/drawing/2014/main" xmlns="" id="{C43B10D7-FFCF-4C81-84F6-2E54FC187BBF}"/>
+              </a:ext>
+            </a:extLst>
+          </p:cNvPr>
+          <p:cNvPicPr>
+            <a:picLocks noGrp="1" noChangeAspect="1"/>
+          </p:cNvPicPr>
+          <p:nvPr>
+            <p:ph idx="1"/>
+          </p:nvPr>
+        </p:nvPicPr>
+        <p:blipFill>
+          <a:blip r:embed="rId2">
+            <a:extLst>
+              <a:ext uri="{28A0092B-C50C-407E-A947-70E740481C1C}">
+                <a14:useLocalDpi xmlns:a14="http://schemas.microsoft.com/office/drawing/2010/main" val="0"/>
+              </a:ext>
+            </a:extLst>
+          </a:blip>
+          <a:stretch>
+            <a:fillRect/>
+          </a:stretch>
+        </p:blipFill>
+        <p:spPr>
+          <a:xfrm>
+            <a:off x="4432044" y="166380"/>
+            <a:ext cx="4367524" cy="2183762"/>
+          </a:xfrm>
+          <a:prstGeom prst="rect">
+            <a:avLst/>
+          </a:prstGeom>
+        </p:spPr>
+      </p:pic>
+      <p:sp>
+        <p:nvSpPr>
+          <p:cNvPr id="2" name="Title 1">
+            <a:extLst>
+              <a:ext uri="{FF2B5EF4-FFF2-40B4-BE49-F238E27FC236}">
+                <a16:creationId xmlns:a16="http://schemas.microsoft.com/office/drawing/2014/main" xmlns="" id="{C93F85CD-6066-4732-B0C6-5409B061EB06}"/>
+              </a:ext>
+            </a:extLst>
+          </p:cNvPr>
+          <p:cNvSpPr>
+            <a:spLocks noGrp="1"/>
+          </p:cNvSpPr>
+          <p:nvPr>
+            <p:ph type="title"/>
+          </p:nvPr>
+        </p:nvSpPr>
+        <p:spPr>
+          <a:xfrm>
+            <a:off x="640080" y="2074363"/>
+            <a:ext cx="2752354" cy="2709275"/>
+          </a:xfrm>
+          <a:prstGeom prst="ellipse">
+            <a:avLst/>
+          </a:prstGeom>
+          <a:solidFill>
+            <a:schemeClr val="tx1">
+              <a:lumMod val="85000"/>
+              <a:lumOff val="15000"/>
+            </a:schemeClr>
+          </a:solidFill>
+          <a:ln w="174625" cmpd="thinThick">
+            <a:solidFill>
+              <a:schemeClr val="tx1">
+                <a:lumMod val="85000"/>
+                <a:lumOff val="15000"/>
+              </a:schemeClr>
+            </a:solidFill>
+          </a:ln>
+        </p:spPr>
+        <p:txBody>
+          <a:bodyPr vert="horz" lIns="91440" tIns="45720" rIns="91440" bIns="45720" rtlCol="0" anchor="ctr">
+            <a:normAutofit/>
+          </a:bodyPr>
+          <a:lstStyle/>
+          <a:p>
+            <a:pPr algn="ctr"/>
+            <a:r>
+              <a:rPr lang="en-US" sz="2600" kern="1200">
+                <a:solidFill>
+                  <a:schemeClr val="bg1"/>
+                </a:solidFill>
+                <a:latin typeface="+mj-lt"/>
+                <a:ea typeface="+mj-ea"/>
+                <a:cs typeface="+mj-cs"/>
+              </a:rPr>
+              <a:t>Why Python ?</a:t>
+            </a:r>
+          </a:p>
+        </p:txBody>
+      </p:sp>
+      <p:sp>
+        <p:nvSpPr>
+          <p:cNvPr id="6" name="TextBox 5">
+            <a:extLst>
+              <a:ext uri="{FF2B5EF4-FFF2-40B4-BE49-F238E27FC236}">
+                <a16:creationId xmlns:a16="http://schemas.microsoft.com/office/drawing/2014/main" xmlns="" id="{42FAC7CE-952E-4631-BE69-455441E08E24}"/>
+              </a:ext>
+            </a:extLst>
+          </p:cNvPr>
+          <p:cNvSpPr txBox="1"/>
+          <p:nvPr/>
+        </p:nvSpPr>
+        <p:spPr>
+          <a:xfrm>
+            <a:off x="6096000" y="3459871"/>
+            <a:ext cx="6585995" cy="1754326"/>
+          </a:xfrm>
+          <a:prstGeom prst="rect">
+            <a:avLst/>
+          </a:prstGeom>
+          <a:noFill/>
+        </p:spPr>
+        <p:txBody>
+          <a:bodyPr wrap="square" rtlCol="0">
+            <a:spAutoFit/>
+          </a:bodyPr>
+          <a:lstStyle/>
+          <a:p>
+            <a:pPr marL="285750" indent="-285750">
+              <a:buFont typeface="Arial" panose="020B0604020202020204" pitchFamily="34" charset="0"/>
+              <a:buChar char="•"/>
+            </a:pPr>
+            <a:r>
+              <a:rPr lang="en-US" dirty="0"/>
+              <a:t>Easy Syntax</a:t>
+            </a:r>
+          </a:p>
+          <a:p>
+            <a:endParaRPr lang="en-US" dirty="0"/>
+          </a:p>
+          <a:p>
+            <a:pPr marL="285750" indent="-285750">
+              <a:buFont typeface="Arial" panose="020B0604020202020204" pitchFamily="34" charset="0"/>
+              <a:buChar char="•"/>
+            </a:pPr>
+            <a:r>
+              <a:rPr lang="en-US" dirty="0"/>
+              <a:t>Modules : Do anything</a:t>
+            </a:r>
+          </a:p>
+          <a:p>
+            <a:pPr marL="285750" indent="-285750">
+              <a:buFont typeface="Arial" panose="020B0604020202020204" pitchFamily="34" charset="0"/>
+              <a:buChar char="•"/>
+            </a:pPr>
+            <a:endParaRPr lang="en-US" dirty="0"/>
+          </a:p>
+          <a:p>
+            <a:pPr marL="285750" indent="-285750">
+              <a:buFont typeface="Arial" panose="020B0604020202020204" pitchFamily="34" charset="0"/>
+              <a:buChar char="•"/>
+            </a:pPr>
+            <a:r>
+              <a:rPr lang="en-US" dirty="0"/>
+              <a:t>And it gives you wings</a:t>
+            </a:r>
+          </a:p>
+          <a:p>
+            <a:endParaRPr lang="en-US" dirty="0"/>
+          </a:p>
+        </p:txBody>
+      </p:sp>
+    </p:spTree>
+    <p:extLst>
+      <p:ext uri="{BB962C8B-B14F-4D97-AF65-F5344CB8AC3E}">
+        <p14:creationId xmlns:p14="http://schemas.microsoft.com/office/powerpoint/2010/main" val="179063133"/>
+      </p:ext>
+    </p:extLst>
+  </p:cSld>
+  <p:clrMapOvr>
+    <a:masterClrMapping/>
+  </p:clrMapOvr>
+  <p:timing>
+    <p:tnLst>
+      <p:par>
+        <p:cTn id="1" dur="indefinite" restart="never" nodeType="tmRoot"/>
+      </p:par>
+    </p:tnLst>
+  </p:timing>
+</p:sld>
+</file>
+
+<file path=ppt/slides/slide3.xml><?xml version="1.0" encoding="utf-8"?>
+<p:sld xmlns:a="http://schemas.openxmlformats.org/drawingml/2006/main" xmlns:r="http://schemas.openxmlformats.org/officeDocument/2006/relationships" xmlns:p="http://schemas.openxmlformats.org/presentationml/2006/main">
+  <p:cSld>
+    <p:spTree>
+      <p:nvGrpSpPr>
+        <p:cNvPr id="1" name=""/>
+        <p:cNvGrpSpPr/>
+        <p:nvPr/>
+      </p:nvGrpSpPr>
+      <p:grpSpPr>
+        <a:xfrm>
+          <a:off x="0" y="0"/>
+          <a:ext cx="0" cy="0"/>
+          <a:chOff x="0" y="0"/>
+          <a:chExt cx="0" cy="0"/>
+        </a:xfrm>
+      </p:grpSpPr>
+      <p:sp>
+        <p:nvSpPr>
+          <p:cNvPr id="2" name="Title 1"/>
+          <p:cNvSpPr>
+            <a:spLocks noGrp="1"/>
+          </p:cNvSpPr>
+          <p:nvPr>
+            <p:ph type="title"/>
+          </p:nvPr>
+        </p:nvSpPr>
+        <p:spPr>
+          <a:xfrm>
+            <a:off x="1700011" y="365126"/>
+            <a:ext cx="7688688" cy="768216"/>
+          </a:xfrm>
+        </p:spPr>
+        <p:txBody>
+          <a:bodyPr/>
+          <a:lstStyle/>
+          <a:p>
+            <a:r>
+              <a:rPr lang="en-IN" dirty="0" smtClean="0"/>
+              <a:t>             Market Demand 2015</a:t>
+            </a:r>
+            <a:endParaRPr lang="en-IN" dirty="0"/>
+          </a:p>
+        </p:txBody>
+      </p:sp>
+      <p:pic>
+        <p:nvPicPr>
+          <p:cNvPr id="4" name="Content Placeholder 3"/>
+          <p:cNvPicPr>
+            <a:picLocks noGrp="1" noChangeAspect="1"/>
+          </p:cNvPicPr>
+          <p:nvPr>
+            <p:ph idx="1"/>
+          </p:nvPr>
+        </p:nvPicPr>
+        <p:blipFill>
+          <a:blip r:embed="rId2">
+            <a:extLst>
+              <a:ext uri="{28A0092B-C50C-407E-A947-70E740481C1C}">
+                <a14:useLocalDpi xmlns:a14="http://schemas.microsoft.com/office/drawing/2010/main" val="0"/>
+              </a:ext>
+            </a:extLst>
+          </a:blip>
+          <a:stretch>
+            <a:fillRect/>
+          </a:stretch>
+        </p:blipFill>
+        <p:spPr>
+          <a:xfrm>
+            <a:off x="2511379" y="1690688"/>
+            <a:ext cx="6529589" cy="4980568"/>
+          </a:xfrm>
+        </p:spPr>
+      </p:pic>
+    </p:spTree>
+    <p:extLst>
+      <p:ext uri="{BB962C8B-B14F-4D97-AF65-F5344CB8AC3E}">
+        <p14:creationId xmlns:p14="http://schemas.microsoft.com/office/powerpoint/2010/main" val="2045930997"/>
+      </p:ext>
+    </p:extLst>
+  </p:cSld>
+  <p:clrMapOvr>
+    <a:masterClrMapping/>
+  </p:clrMapOvr>
+</p:sld>
+</file>
+
+<file path=ppt/slides/slide4.xml><?xml version="1.0" encoding="utf-8"?>
+<p:sld xmlns:a="http://schemas.openxmlformats.org/drawingml/2006/main" xmlns:r="http://schemas.openxmlformats.org/officeDocument/2006/relationships" xmlns:p="http://schemas.openxmlformats.org/presentationml/2006/main">
+  <p:cSld>
+    <p:spTree>
+      <p:nvGrpSpPr>
+        <p:cNvPr id="1" name=""/>
+        <p:cNvGrpSpPr/>
+        <p:nvPr/>
+      </p:nvGrpSpPr>
+      <p:grpSpPr>
+        <a:xfrm>
+          <a:off x="0" y="0"/>
+          <a:ext cx="0" cy="0"/>
+          <a:chOff x="0" y="0"/>
+          <a:chExt cx="0" cy="0"/>
+        </a:xfrm>
+      </p:grpSpPr>
+      <p:sp>
+        <p:nvSpPr>
+          <p:cNvPr id="2" name="Title 1"/>
+          <p:cNvSpPr>
+            <a:spLocks noGrp="1"/>
+          </p:cNvSpPr>
+          <p:nvPr>
+            <p:ph type="ctrTitle"/>
+          </p:nvPr>
+        </p:nvSpPr>
+        <p:spPr/>
+        <p:txBody>
+          <a:bodyPr/>
+          <a:lstStyle/>
+          <a:p>
+            <a:r>
+              <a:rPr lang="en-IN" dirty="0" smtClean="0"/>
+              <a:t>Web Scraping</a:t>
+            </a:r>
+            <a:endParaRPr lang="en-IN" dirty="0"/>
+          </a:p>
+        </p:txBody>
+      </p:sp>
+      <p:sp>
+        <p:nvSpPr>
+          <p:cNvPr id="3" name="Subtitle 2"/>
+          <p:cNvSpPr>
+            <a:spLocks noGrp="1"/>
+          </p:cNvSpPr>
+          <p:nvPr>
+            <p:ph type="subTitle" idx="1"/>
+          </p:nvPr>
+        </p:nvSpPr>
+        <p:spPr/>
+        <p:txBody>
+          <a:bodyPr>
+            <a:normAutofit/>
+          </a:bodyPr>
+          <a:lstStyle/>
+          <a:p>
+            <a:endParaRPr lang="en-IN" dirty="0" smtClean="0"/>
+          </a:p>
+          <a:p>
+            <a:endParaRPr lang="en-IN" dirty="0"/>
+          </a:p>
+          <a:p>
+            <a:endParaRPr lang="en-IN" dirty="0"/>
+          </a:p>
+        </p:txBody>
+      </p:sp>
+    </p:spTree>
+    <p:extLst>
+      <p:ext uri="{BB962C8B-B14F-4D97-AF65-F5344CB8AC3E}">
+        <p14:creationId xmlns:p14="http://schemas.microsoft.com/office/powerpoint/2010/main" val="2199872774"/>
+      </p:ext>
+    </p:extLst>
+  </p:cSld>
+  <p:clrMapOvr>
+    <a:masterClrMapping/>
+  </p:clrMapOvr>
+</p:sld>
+</file>
+
+<file path=ppt/slides/slide5.xml><?xml version="1.0" encoding="utf-8"?>
+<p:sld xmlns:a="http://schemas.openxmlformats.org/drawingml/2006/main" xmlns:r="http://schemas.openxmlformats.org/officeDocument/2006/relationships" xmlns:p="http://schemas.openxmlformats.org/presentationml/2006/main">
+  <p:cSld>
+    <p:spTree>
+      <p:nvGrpSpPr>
+        <p:cNvPr id="1" name=""/>
+        <p:cNvGrpSpPr/>
+        <p:nvPr/>
+      </p:nvGrpSpPr>
+      <p:grpSpPr>
+        <a:xfrm>
+          <a:off x="0" y="0"/>
+          <a:ext cx="0" cy="0"/>
+          <a:chOff x="0" y="0"/>
+          <a:chExt cx="0" cy="0"/>
+        </a:xfrm>
+      </p:grpSpPr>
+      <p:sp>
+        <p:nvSpPr>
+          <p:cNvPr id="2" name="Title 1"/>
+          <p:cNvSpPr>
+            <a:spLocks noGrp="1"/>
+          </p:cNvSpPr>
+          <p:nvPr>
+            <p:ph type="title"/>
+          </p:nvPr>
+        </p:nvSpPr>
+        <p:spPr/>
+        <p:txBody>
+          <a:bodyPr/>
+          <a:lstStyle/>
+          <a:p>
+            <a:r>
+              <a:rPr lang="en-IN" dirty="0" smtClean="0"/>
+              <a:t>Why Scraping ?</a:t>
+            </a:r>
+            <a:endParaRPr lang="en-IN" dirty="0"/>
+          </a:p>
+        </p:txBody>
+      </p:sp>
+      <p:sp>
+        <p:nvSpPr>
+          <p:cNvPr id="3" name="Content Placeholder 2"/>
+          <p:cNvSpPr>
+            <a:spLocks noGrp="1"/>
+          </p:cNvSpPr>
+          <p:nvPr>
+            <p:ph idx="1"/>
+          </p:nvPr>
+        </p:nvSpPr>
+        <p:spPr>
+          <a:xfrm>
+            <a:off x="838200" y="2292439"/>
+            <a:ext cx="10515600" cy="3884524"/>
+          </a:xfrm>
+        </p:spPr>
+        <p:txBody>
+          <a:bodyPr>
+            <a:normAutofit/>
+          </a:bodyPr>
+          <a:lstStyle/>
+          <a:p>
+            <a:r>
+              <a:rPr lang="en-IN" sz="2000" dirty="0" smtClean="0"/>
+              <a:t>The data available over the internet now is huge. More Data, more information.</a:t>
+            </a:r>
+          </a:p>
+          <a:p>
+            <a:pPr marL="0" indent="0">
+              <a:buNone/>
+            </a:pPr>
+            <a:endParaRPr lang="en-IN" sz="2000" dirty="0" smtClean="0"/>
+          </a:p>
+          <a:p>
+            <a:r>
+              <a:rPr lang="en-IN" sz="2000" dirty="0" smtClean="0"/>
+              <a:t>A Python web scraping code (called as the spider code) can be built based on the webpage’s skeleton to extract the content from the respective website.</a:t>
+            </a:r>
+          </a:p>
+          <a:p>
+            <a:pPr marL="0" indent="0">
+              <a:buNone/>
+            </a:pPr>
+            <a:endParaRPr lang="en-IN" sz="2000" dirty="0" smtClean="0"/>
+          </a:p>
+          <a:p>
+            <a:r>
+              <a:rPr lang="en-IN" sz="2000" dirty="0" smtClean="0"/>
+              <a:t>We have developed such a sample spider code for the following site: </a:t>
+            </a:r>
+            <a:r>
+              <a:rPr lang="en-IN" sz="2000" dirty="0" smtClean="0">
+                <a:hlinkClick r:id="rId2"/>
+              </a:rPr>
+              <a:t>www.checkatrade.com</a:t>
+            </a:r>
+            <a:endParaRPr lang="en-IN" sz="2000" dirty="0" smtClean="0"/>
+          </a:p>
+          <a:p>
+            <a:pPr marL="0" indent="0">
+              <a:buNone/>
+            </a:pPr>
+            <a:endParaRPr lang="en-IN" sz="2000" dirty="0" smtClean="0"/>
+          </a:p>
+          <a:p>
+            <a:r>
+              <a:rPr lang="en-IN" sz="2000" dirty="0" smtClean="0"/>
+              <a:t>This site contains all the useful information about the various builders available across the UK, along with the services they provide.</a:t>
+            </a:r>
+          </a:p>
+          <a:p>
+            <a:endParaRPr lang="en-IN" sz="2000" dirty="0"/>
+          </a:p>
+        </p:txBody>
+      </p:sp>
+    </p:spTree>
+    <p:extLst>
+      <p:ext uri="{BB962C8B-B14F-4D97-AF65-F5344CB8AC3E}">
+        <p14:creationId xmlns:p14="http://schemas.microsoft.com/office/powerpoint/2010/main" val="217253897"/>
+      </p:ext>
+    </p:extLst>
+  </p:cSld>
+  <p:clrMapOvr>
+    <a:masterClrMapping/>
+  </p:clrMapOvr>
+</p:sld>
+</file>
+
 <file path=ppt/slides/slide6.xml><?xml version="1.0" encoding="utf-8"?>
 <p:sld xmlns:a="http://schemas.openxmlformats.org/drawingml/2006/main" xmlns:r="http://schemas.openxmlformats.org/officeDocument/2006/relationships" xmlns:p="http://schemas.openxmlformats.org/presentationml/2006/main">
   <p:cSld>
@@ -4742,134 +5344,453 @@
           <a:chExt cx="0" cy="0"/>
         </a:xfrm>
       </p:grpSpPr>
-      <p:sp>
-        <p:nvSpPr>
-          <p:cNvPr id="2" name="Title 1"/>
-          <p:cNvSpPr>
-            <a:spLocks noGrp="1"/>
-          </p:cNvSpPr>
-          <p:nvPr>
-            <p:ph type="title"/>
-          </p:nvPr>
-        </p:nvSpPr>
-        <p:spPr/>
-        <p:txBody>
-          <a:bodyPr/>
-          <a:lstStyle/>
-          <a:p>
-            <a:r>
-              <a:rPr lang="en-IN" dirty="0" smtClean="0"/>
-              <a:t>Data Science - Introduction</a:t>
-            </a:r>
-            <a:endParaRPr lang="en-IN" dirty="0"/>
-          </a:p>
-        </p:txBody>
-      </p:sp>
-      <p:sp>
-        <p:nvSpPr>
-          <p:cNvPr id="3" name="Content Placeholder 2"/>
-          <p:cNvSpPr>
-            <a:spLocks noGrp="1"/>
-          </p:cNvSpPr>
-          <p:nvPr>
-            <p:ph idx="1"/>
-          </p:nvPr>
-        </p:nvSpPr>
-        <p:spPr>
-          <a:xfrm>
-            <a:off x="838200" y="1825625"/>
-            <a:ext cx="8614893" cy="4351338"/>
-          </a:xfrm>
-        </p:spPr>
-        <p:txBody>
-          <a:bodyPr/>
-          <a:lstStyle/>
-          <a:p>
-            <a:r>
-              <a:rPr lang="en-IN" dirty="0" err="1" smtClean="0"/>
-              <a:t>NumPy</a:t>
-            </a:r>
-            <a:r>
-              <a:rPr lang="en-IN" dirty="0" smtClean="0"/>
-              <a:t> – Numeric Python</a:t>
-            </a:r>
-          </a:p>
-          <a:p>
-            <a:endParaRPr lang="en-IN" dirty="0"/>
-          </a:p>
-          <a:p>
-            <a:r>
-              <a:rPr lang="en-IN" dirty="0" smtClean="0"/>
-              <a:t>Why </a:t>
-            </a:r>
-            <a:r>
-              <a:rPr lang="en-IN" dirty="0" err="1" smtClean="0"/>
-              <a:t>NumPy</a:t>
-            </a:r>
-            <a:r>
-              <a:rPr lang="en-IN" dirty="0" smtClean="0"/>
-              <a:t> when you have lists ?</a:t>
-            </a:r>
-          </a:p>
-          <a:p>
-            <a:endParaRPr lang="en-IN" dirty="0"/>
-          </a:p>
-          <a:p>
-            <a:r>
-              <a:rPr lang="en-IN" dirty="0" smtClean="0"/>
-              <a:t>Details Analysis</a:t>
-            </a:r>
-          </a:p>
-          <a:p>
-            <a:endParaRPr lang="en-IN" dirty="0"/>
-          </a:p>
-          <a:p>
-            <a:r>
-              <a:rPr lang="en-IN" dirty="0" smtClean="0"/>
-              <a:t>Datasets for </a:t>
-            </a:r>
-            <a:r>
-              <a:rPr lang="en-IN" dirty="0" err="1" smtClean="0"/>
-              <a:t>Numpy</a:t>
-            </a:r>
-            <a:endParaRPr lang="en-IN" dirty="0"/>
-          </a:p>
-        </p:txBody>
-      </p:sp>
       <p:pic>
         <p:nvPicPr>
-          <p:cNvPr id="4" name="Picture 3"/>
+          <p:cNvPr id="6" name="Picture 5"/>
           <p:cNvPicPr>
             <a:picLocks noChangeAspect="1"/>
           </p:cNvPicPr>
           <p:nvPr/>
         </p:nvPicPr>
-        <p:blipFill>
-          <a:blip r:embed="rId2">
-            <a:extLst>
-              <a:ext uri="{28A0092B-C50C-407E-A947-70E740481C1C}">
-                <a14:useLocalDpi xmlns:a14="http://schemas.microsoft.com/office/drawing/2010/main" val="0"/>
-              </a:ext>
-            </a:extLst>
-          </a:blip>
-          <a:stretch>
-            <a:fillRect/>
-          </a:stretch>
+        <p:blipFill rotWithShape="1">
+          <a:blip r:embed="rId2"/>
+          <a:srcRect r="959" b="8097"/>
+          <a:stretch/>
         </p:blipFill>
         <p:spPr>
           <a:xfrm>
-            <a:off x="6593982" y="1690688"/>
-            <a:ext cx="5407517" cy="4117684"/>
+            <a:off x="1622738" y="0"/>
+            <a:ext cx="9427336" cy="4159876"/>
           </a:xfrm>
           <a:prstGeom prst="rect">
             <a:avLst/>
           </a:prstGeom>
         </p:spPr>
       </p:pic>
+      <p:sp>
+        <p:nvSpPr>
+          <p:cNvPr id="3" name="Subtitle 2"/>
+          <p:cNvSpPr>
+            <a:spLocks noGrp="1"/>
+          </p:cNvSpPr>
+          <p:nvPr>
+            <p:ph type="subTitle" idx="1"/>
+          </p:nvPr>
+        </p:nvSpPr>
+        <p:spPr>
+          <a:xfrm>
+            <a:off x="682580" y="399246"/>
+            <a:ext cx="10676586" cy="6040192"/>
+          </a:xfrm>
+        </p:spPr>
+        <p:txBody>
+          <a:bodyPr/>
+          <a:lstStyle/>
+          <a:p>
+            <a:r>
+              <a:rPr lang="en-IN" dirty="0" smtClean="0"/>
+              <a:t>            </a:t>
+            </a:r>
+            <a:endParaRPr lang="en-IN" dirty="0"/>
+          </a:p>
+        </p:txBody>
+      </p:sp>
+      <p:sp>
+        <p:nvSpPr>
+          <p:cNvPr id="7" name="TextBox 6"/>
+          <p:cNvSpPr txBox="1"/>
+          <p:nvPr/>
+        </p:nvSpPr>
+        <p:spPr>
+          <a:xfrm>
+            <a:off x="1931831" y="4559121"/>
+            <a:ext cx="9427335" cy="1477328"/>
+          </a:xfrm>
+          <a:prstGeom prst="rect">
+            <a:avLst/>
+          </a:prstGeom>
+          <a:noFill/>
+        </p:spPr>
+        <p:txBody>
+          <a:bodyPr wrap="square" rtlCol="0">
+            <a:spAutoFit/>
+          </a:bodyPr>
+          <a:lstStyle/>
+          <a:p>
+            <a:r>
+              <a:rPr lang="en-IN" dirty="0" smtClean="0"/>
+              <a:t>This is the sample site we chose, to pull the content from.</a:t>
+            </a:r>
+          </a:p>
+          <a:p>
+            <a:endParaRPr lang="en-IN" dirty="0" smtClean="0"/>
+          </a:p>
+          <a:p>
+            <a:r>
+              <a:rPr lang="en-IN" dirty="0" smtClean="0"/>
+              <a:t>Note: There were over 2000 records under each alphabet, so this site has around 2000 * 26 = 52000 companies details.</a:t>
+            </a:r>
+          </a:p>
+          <a:p>
+            <a:endParaRPr lang="en-IN" dirty="0"/>
+          </a:p>
+        </p:txBody>
+      </p:sp>
     </p:spTree>
     <p:extLst>
       <p:ext uri="{BB962C8B-B14F-4D97-AF65-F5344CB8AC3E}">
-        <p14:creationId xmlns:p14="http://schemas.microsoft.com/office/powerpoint/2010/main" val="1847141217"/>
+        <p14:creationId xmlns:p14="http://schemas.microsoft.com/office/powerpoint/2010/main" val="588241505"/>
+      </p:ext>
+    </p:extLst>
+  </p:cSld>
+  <p:clrMapOvr>
+    <a:masterClrMapping/>
+  </p:clrMapOvr>
+</p:sld>
+</file>
+
+<file path=ppt/slides/slide7.xml><?xml version="1.0" encoding="utf-8"?>
+<p:sld xmlns:a="http://schemas.openxmlformats.org/drawingml/2006/main" xmlns:r="http://schemas.openxmlformats.org/officeDocument/2006/relationships" xmlns:p="http://schemas.openxmlformats.org/presentationml/2006/main">
+  <p:cSld>
+    <p:spTree>
+      <p:nvGrpSpPr>
+        <p:cNvPr id="1" name=""/>
+        <p:cNvGrpSpPr/>
+        <p:nvPr/>
+      </p:nvGrpSpPr>
+      <p:grpSpPr>
+        <a:xfrm>
+          <a:off x="0" y="0"/>
+          <a:ext cx="0" cy="0"/>
+          <a:chOff x="0" y="0"/>
+          <a:chExt cx="0" cy="0"/>
+        </a:xfrm>
+      </p:grpSpPr>
+      <p:pic>
+        <p:nvPicPr>
+          <p:cNvPr id="6" name="Content Placeholder 3"/>
+          <p:cNvPicPr>
+            <a:picLocks noGrp="1" noChangeAspect="1"/>
+          </p:cNvPicPr>
+          <p:nvPr>
+            <p:ph idx="1"/>
+          </p:nvPr>
+        </p:nvPicPr>
+        <p:blipFill rotWithShape="1">
+          <a:blip r:embed="rId2"/>
+          <a:srcRect l="354" t="12010" r="12101" b="31048"/>
+          <a:stretch/>
+        </p:blipFill>
+        <p:spPr>
+          <a:xfrm>
+            <a:off x="567745" y="352805"/>
+            <a:ext cx="10515600" cy="3845439"/>
+          </a:xfrm>
+          <a:prstGeom prst="rect">
+            <a:avLst/>
+          </a:prstGeom>
+        </p:spPr>
+      </p:pic>
+      <p:sp>
+        <p:nvSpPr>
+          <p:cNvPr id="7" name="TextBox 6"/>
+          <p:cNvSpPr txBox="1"/>
+          <p:nvPr/>
+        </p:nvSpPr>
+        <p:spPr>
+          <a:xfrm>
+            <a:off x="695459" y="4649273"/>
+            <a:ext cx="10547797" cy="923330"/>
+          </a:xfrm>
+          <a:prstGeom prst="rect">
+            <a:avLst/>
+          </a:prstGeom>
+          <a:noFill/>
+        </p:spPr>
+        <p:txBody>
+          <a:bodyPr wrap="square" rtlCol="0">
+            <a:spAutoFit/>
+          </a:bodyPr>
+          <a:lstStyle/>
+          <a:p>
+            <a:r>
+              <a:rPr lang="en-IN" dirty="0" smtClean="0"/>
+              <a:t>We captured the required elements from the website using </a:t>
+            </a:r>
+            <a:r>
+              <a:rPr lang="en-IN" dirty="0" err="1" smtClean="0"/>
+              <a:t>Xpath</a:t>
+            </a:r>
+            <a:r>
+              <a:rPr lang="en-IN" dirty="0" smtClean="0"/>
+              <a:t> selector, and also wrote a crawler code, which crawls after completing one page to another, till it reaches the last page.</a:t>
+            </a:r>
+          </a:p>
+          <a:p>
+            <a:endParaRPr lang="en-IN" dirty="0"/>
+          </a:p>
+        </p:txBody>
+      </p:sp>
+    </p:spTree>
+    <p:extLst>
+      <p:ext uri="{BB962C8B-B14F-4D97-AF65-F5344CB8AC3E}">
+        <p14:creationId xmlns:p14="http://schemas.microsoft.com/office/powerpoint/2010/main" val="1161464253"/>
+      </p:ext>
+    </p:extLst>
+  </p:cSld>
+  <p:clrMapOvr>
+    <a:masterClrMapping/>
+  </p:clrMapOvr>
+</p:sld>
+</file>
+
+<file path=ppt/slides/slide8.xml><?xml version="1.0" encoding="utf-8"?>
+<p:sld xmlns:a="http://schemas.openxmlformats.org/drawingml/2006/main" xmlns:r="http://schemas.openxmlformats.org/officeDocument/2006/relationships" xmlns:p="http://schemas.openxmlformats.org/presentationml/2006/main">
+  <p:cSld>
+    <p:spTree>
+      <p:nvGrpSpPr>
+        <p:cNvPr id="1" name=""/>
+        <p:cNvGrpSpPr/>
+        <p:nvPr/>
+      </p:nvGrpSpPr>
+      <p:grpSpPr>
+        <a:xfrm>
+          <a:off x="0" y="0"/>
+          <a:ext cx="0" cy="0"/>
+          <a:chOff x="0" y="0"/>
+          <a:chExt cx="0" cy="0"/>
+        </a:xfrm>
+      </p:grpSpPr>
+      <p:sp>
+        <p:nvSpPr>
+          <p:cNvPr id="3" name="Subtitle 2"/>
+          <p:cNvSpPr>
+            <a:spLocks noGrp="1"/>
+          </p:cNvSpPr>
+          <p:nvPr>
+            <p:ph type="subTitle" idx="1"/>
+          </p:nvPr>
+        </p:nvSpPr>
+        <p:spPr>
+          <a:xfrm>
+            <a:off x="734095" y="425004"/>
+            <a:ext cx="10998558" cy="2884866"/>
+          </a:xfrm>
+        </p:spPr>
+        <p:txBody>
+          <a:bodyPr/>
+          <a:lstStyle/>
+          <a:p>
+            <a:endParaRPr lang="en-IN" dirty="0" smtClean="0"/>
+          </a:p>
+          <a:p>
+            <a:endParaRPr lang="en-IN" dirty="0"/>
+          </a:p>
+          <a:p>
+            <a:endParaRPr lang="en-IN" dirty="0" smtClean="0"/>
+          </a:p>
+          <a:p>
+            <a:endParaRPr lang="en-IN" dirty="0"/>
+          </a:p>
+          <a:p>
+            <a:endParaRPr lang="en-IN" dirty="0" smtClean="0"/>
+          </a:p>
+          <a:p>
+            <a:endParaRPr lang="en-IN" dirty="0"/>
+          </a:p>
+          <a:p>
+            <a:endParaRPr lang="en-IN" dirty="0" smtClean="0"/>
+          </a:p>
+          <a:p>
+            <a:endParaRPr lang="en-IN" dirty="0" smtClean="0"/>
+          </a:p>
+        </p:txBody>
+      </p:sp>
+      <p:pic>
+        <p:nvPicPr>
+          <p:cNvPr id="5" name="Picture 4"/>
+          <p:cNvPicPr>
+            <a:picLocks noChangeAspect="1"/>
+          </p:cNvPicPr>
+          <p:nvPr/>
+        </p:nvPicPr>
+        <p:blipFill rotWithShape="1">
+          <a:blip r:embed="rId2"/>
+          <a:srcRect t="25849" r="9281" b="18538"/>
+          <a:stretch/>
+        </p:blipFill>
+        <p:spPr>
+          <a:xfrm>
+            <a:off x="734095" y="425003"/>
+            <a:ext cx="9131122" cy="3271233"/>
+          </a:xfrm>
+          <a:prstGeom prst="rect">
+            <a:avLst/>
+          </a:prstGeom>
+        </p:spPr>
+      </p:pic>
+      <p:sp>
+        <p:nvSpPr>
+          <p:cNvPr id="7" name="TextBox 6"/>
+          <p:cNvSpPr txBox="1"/>
+          <p:nvPr/>
+        </p:nvSpPr>
+        <p:spPr>
+          <a:xfrm>
+            <a:off x="734095" y="4185634"/>
+            <a:ext cx="10328857" cy="1754326"/>
+          </a:xfrm>
+          <a:prstGeom prst="rect">
+            <a:avLst/>
+          </a:prstGeom>
+          <a:noFill/>
+        </p:spPr>
+        <p:txBody>
+          <a:bodyPr wrap="square" rtlCol="0">
+            <a:spAutoFit/>
+          </a:bodyPr>
+          <a:lstStyle/>
+          <a:p>
+            <a:endParaRPr lang="en-IN" dirty="0" smtClean="0"/>
+          </a:p>
+          <a:p>
+            <a:endParaRPr lang="en-IN" dirty="0"/>
+          </a:p>
+          <a:p>
+            <a:endParaRPr lang="en-IN" dirty="0" smtClean="0"/>
+          </a:p>
+          <a:p>
+            <a:r>
+              <a:rPr lang="en-IN" dirty="0" smtClean="0"/>
+              <a:t>The final output of the spider code will be a </a:t>
+            </a:r>
+            <a:r>
+              <a:rPr lang="en-IN" dirty="0" err="1" smtClean="0"/>
+              <a:t>csv</a:t>
+            </a:r>
+            <a:r>
+              <a:rPr lang="en-IN" dirty="0" smtClean="0"/>
+              <a:t> file [ note : can be a </a:t>
+            </a:r>
+            <a:r>
+              <a:rPr lang="en-IN" dirty="0" err="1" smtClean="0"/>
+              <a:t>json</a:t>
+            </a:r>
+            <a:r>
+              <a:rPr lang="en-IN" dirty="0" smtClean="0"/>
+              <a:t> file if required], with the data as shown in the table.</a:t>
+            </a:r>
+          </a:p>
+          <a:p>
+            <a:endParaRPr lang="en-IN" dirty="0"/>
+          </a:p>
+        </p:txBody>
+      </p:sp>
+    </p:spTree>
+    <p:extLst>
+      <p:ext uri="{BB962C8B-B14F-4D97-AF65-F5344CB8AC3E}">
+        <p14:creationId xmlns:p14="http://schemas.microsoft.com/office/powerpoint/2010/main" val="469342467"/>
+      </p:ext>
+    </p:extLst>
+  </p:cSld>
+  <p:clrMapOvr>
+    <a:masterClrMapping/>
+  </p:clrMapOvr>
+</p:sld>
+</file>
+
+<file path=ppt/slides/slide9.xml><?xml version="1.0" encoding="utf-8"?>
+<p:sld xmlns:a="http://schemas.openxmlformats.org/drawingml/2006/main" xmlns:r="http://schemas.openxmlformats.org/officeDocument/2006/relationships" xmlns:p="http://schemas.openxmlformats.org/presentationml/2006/main">
+  <p:cSld>
+    <p:spTree>
+      <p:nvGrpSpPr>
+        <p:cNvPr id="1" name=""/>
+        <p:cNvGrpSpPr/>
+        <p:nvPr/>
+      </p:nvGrpSpPr>
+      <p:grpSpPr>
+        <a:xfrm>
+          <a:off x="0" y="0"/>
+          <a:ext cx="0" cy="0"/>
+          <a:chOff x="0" y="0"/>
+          <a:chExt cx="0" cy="0"/>
+        </a:xfrm>
+      </p:grpSpPr>
+      <p:sp>
+        <p:nvSpPr>
+          <p:cNvPr id="4" name="TextBox 3"/>
+          <p:cNvSpPr txBox="1"/>
+          <p:nvPr/>
+        </p:nvSpPr>
+        <p:spPr>
+          <a:xfrm>
+            <a:off x="244699" y="399245"/>
+            <a:ext cx="11384924" cy="1477328"/>
+          </a:xfrm>
+          <a:prstGeom prst="rect">
+            <a:avLst/>
+          </a:prstGeom>
+          <a:noFill/>
+        </p:spPr>
+        <p:txBody>
+          <a:bodyPr wrap="square" rtlCol="0">
+            <a:spAutoFit/>
+          </a:bodyPr>
+          <a:lstStyle/>
+          <a:p>
+            <a:r>
+              <a:rPr lang="en-IN" dirty="0" smtClean="0"/>
+              <a:t>The data obtained from such websites can be used in many ways.</a:t>
+            </a:r>
+          </a:p>
+          <a:p>
+            <a:endParaRPr lang="en-IN" dirty="0" smtClean="0"/>
+          </a:p>
+          <a:p>
+            <a:r>
+              <a:rPr lang="en-IN" dirty="0" smtClean="0"/>
+              <a:t>The following output file can be used to feed into another system for processing and filtering various companies which can do the respective work and has a good review.</a:t>
+            </a:r>
+          </a:p>
+          <a:p>
+            <a:endParaRPr lang="en-IN" dirty="0"/>
+          </a:p>
+        </p:txBody>
+      </p:sp>
+      <p:sp>
+        <p:nvSpPr>
+          <p:cNvPr id="6" name="TextBox 5"/>
+          <p:cNvSpPr txBox="1"/>
+          <p:nvPr/>
+        </p:nvSpPr>
+        <p:spPr>
+          <a:xfrm>
+            <a:off x="360608" y="2408349"/>
+            <a:ext cx="11269015" cy="646331"/>
+          </a:xfrm>
+          <a:prstGeom prst="rect">
+            <a:avLst/>
+          </a:prstGeom>
+          <a:noFill/>
+        </p:spPr>
+        <p:txBody>
+          <a:bodyPr wrap="square" rtlCol="0">
+            <a:spAutoFit/>
+          </a:bodyPr>
+          <a:lstStyle/>
+          <a:p>
+            <a:r>
+              <a:rPr lang="en-IN" dirty="0" smtClean="0"/>
+              <a:t>NOTE : As shown for this sample site, the following can be done for many websites which contain much more important information and be processed in an effective way.</a:t>
+            </a:r>
+            <a:endParaRPr lang="en-IN" dirty="0"/>
+          </a:p>
+        </p:txBody>
+      </p:sp>
+    </p:spTree>
+    <p:extLst>
+      <p:ext uri="{BB962C8B-B14F-4D97-AF65-F5344CB8AC3E}">
+        <p14:creationId xmlns:p14="http://schemas.microsoft.com/office/powerpoint/2010/main" val="640280662"/>
       </p:ext>
     </p:extLst>
   </p:cSld>

--- a/machine-learning-using-python/Machine Learning with Python.pptx
+++ b/machine-learning-using-python/Machine Learning with Python.pptx
@@ -8,17 +8,21 @@
     <p:sldId id="256" r:id="rId2"/>
     <p:sldId id="257" r:id="rId3"/>
     <p:sldId id="269" r:id="rId4"/>
-    <p:sldId id="263" r:id="rId5"/>
-    <p:sldId id="264" r:id="rId6"/>
-    <p:sldId id="265" r:id="rId7"/>
-    <p:sldId id="266" r:id="rId8"/>
-    <p:sldId id="267" r:id="rId9"/>
-    <p:sldId id="268" r:id="rId10"/>
-    <p:sldId id="258" r:id="rId11"/>
-    <p:sldId id="259" r:id="rId12"/>
-    <p:sldId id="260" r:id="rId13"/>
-    <p:sldId id="261" r:id="rId14"/>
-    <p:sldId id="262" r:id="rId15"/>
+    <p:sldId id="270" r:id="rId5"/>
+    <p:sldId id="263" r:id="rId6"/>
+    <p:sldId id="264" r:id="rId7"/>
+    <p:sldId id="265" r:id="rId8"/>
+    <p:sldId id="266" r:id="rId9"/>
+    <p:sldId id="267" r:id="rId10"/>
+    <p:sldId id="268" r:id="rId11"/>
+    <p:sldId id="271" r:id="rId12"/>
+    <p:sldId id="258" r:id="rId13"/>
+    <p:sldId id="259" r:id="rId14"/>
+    <p:sldId id="260" r:id="rId15"/>
+    <p:sldId id="272" r:id="rId16"/>
+    <p:sldId id="261" r:id="rId17"/>
+    <p:sldId id="273" r:id="rId18"/>
+    <p:sldId id="262" r:id="rId19"/>
   </p:sldIdLst>
   <p:sldSz cx="12192000" cy="6858000"/>
   <p:notesSz cx="6858000" cy="9144000"/>
@@ -147,7 +151,7 @@
           <p:cNvPr id="2" name="Title 1">
             <a:extLst>
               <a:ext uri="{FF2B5EF4-FFF2-40B4-BE49-F238E27FC236}">
-                <a16:creationId xmlns:a16="http://schemas.microsoft.com/office/drawing/2014/main" xmlns="" id="{CA79AA80-300B-4D12-AFCC-0A3B869BCE89}"/>
+                <a16:creationId xmlns="" xmlns:a16="http://schemas.microsoft.com/office/drawing/2014/main" id="{CA79AA80-300B-4D12-AFCC-0A3B869BCE89}"/>
               </a:ext>
             </a:extLst>
           </p:cNvPr>
@@ -184,7 +188,7 @@
           <p:cNvPr id="3" name="Subtitle 2">
             <a:extLst>
               <a:ext uri="{FF2B5EF4-FFF2-40B4-BE49-F238E27FC236}">
-                <a16:creationId xmlns:a16="http://schemas.microsoft.com/office/drawing/2014/main" xmlns="" id="{6C0BA44C-2A9E-40F0-8C50-58B78E134C3B}"/>
+                <a16:creationId xmlns="" xmlns:a16="http://schemas.microsoft.com/office/drawing/2014/main" id="{6C0BA44C-2A9E-40F0-8C50-58B78E134C3B}"/>
               </a:ext>
             </a:extLst>
           </p:cNvPr>
@@ -254,7 +258,7 @@
           <p:cNvPr id="4" name="Date Placeholder 3">
             <a:extLst>
               <a:ext uri="{FF2B5EF4-FFF2-40B4-BE49-F238E27FC236}">
-                <a16:creationId xmlns:a16="http://schemas.microsoft.com/office/drawing/2014/main" xmlns="" id="{89279A92-6D81-4B38-8FB5-C7E4933F5850}"/>
+                <a16:creationId xmlns="" xmlns:a16="http://schemas.microsoft.com/office/drawing/2014/main" id="{89279A92-6D81-4B38-8FB5-C7E4933F5850}"/>
               </a:ext>
             </a:extLst>
           </p:cNvPr>
@@ -283,7 +287,7 @@
           <p:cNvPr id="5" name="Footer Placeholder 4">
             <a:extLst>
               <a:ext uri="{FF2B5EF4-FFF2-40B4-BE49-F238E27FC236}">
-                <a16:creationId xmlns:a16="http://schemas.microsoft.com/office/drawing/2014/main" xmlns="" id="{929CD8DA-065E-4D87-8DB2-1E86E22F52A5}"/>
+                <a16:creationId xmlns="" xmlns:a16="http://schemas.microsoft.com/office/drawing/2014/main" id="{929CD8DA-065E-4D87-8DB2-1E86E22F52A5}"/>
               </a:ext>
             </a:extLst>
           </p:cNvPr>
@@ -308,7 +312,7 @@
           <p:cNvPr id="6" name="Slide Number Placeholder 5">
             <a:extLst>
               <a:ext uri="{FF2B5EF4-FFF2-40B4-BE49-F238E27FC236}">
-                <a16:creationId xmlns:a16="http://schemas.microsoft.com/office/drawing/2014/main" xmlns="" id="{DAE77152-6DE1-4856-A050-C2F1307693EE}"/>
+                <a16:creationId xmlns="" xmlns:a16="http://schemas.microsoft.com/office/drawing/2014/main" id="{DAE77152-6DE1-4856-A050-C2F1307693EE}"/>
               </a:ext>
             </a:extLst>
           </p:cNvPr>
@@ -367,7 +371,7 @@
           <p:cNvPr id="2" name="Title 1">
             <a:extLst>
               <a:ext uri="{FF2B5EF4-FFF2-40B4-BE49-F238E27FC236}">
-                <a16:creationId xmlns:a16="http://schemas.microsoft.com/office/drawing/2014/main" xmlns="" id="{95F266D9-72EF-4365-8A01-5F1614230F05}"/>
+                <a16:creationId xmlns="" xmlns:a16="http://schemas.microsoft.com/office/drawing/2014/main" id="{95F266D9-72EF-4365-8A01-5F1614230F05}"/>
               </a:ext>
             </a:extLst>
           </p:cNvPr>
@@ -395,7 +399,7 @@
           <p:cNvPr id="3" name="Vertical Text Placeholder 2">
             <a:extLst>
               <a:ext uri="{FF2B5EF4-FFF2-40B4-BE49-F238E27FC236}">
-                <a16:creationId xmlns:a16="http://schemas.microsoft.com/office/drawing/2014/main" xmlns="" id="{E25FE566-56E0-4028-BA4C-85CFB9867CC9}"/>
+                <a16:creationId xmlns="" xmlns:a16="http://schemas.microsoft.com/office/drawing/2014/main" id="{E25FE566-56E0-4028-BA4C-85CFB9867CC9}"/>
               </a:ext>
             </a:extLst>
           </p:cNvPr>
@@ -452,7 +456,7 @@
           <p:cNvPr id="4" name="Date Placeholder 3">
             <a:extLst>
               <a:ext uri="{FF2B5EF4-FFF2-40B4-BE49-F238E27FC236}">
-                <a16:creationId xmlns:a16="http://schemas.microsoft.com/office/drawing/2014/main" xmlns="" id="{7EDA0294-FCD2-4A19-A268-C2DD67020430}"/>
+                <a16:creationId xmlns="" xmlns:a16="http://schemas.microsoft.com/office/drawing/2014/main" id="{7EDA0294-FCD2-4A19-A268-C2DD67020430}"/>
               </a:ext>
             </a:extLst>
           </p:cNvPr>
@@ -481,7 +485,7 @@
           <p:cNvPr id="5" name="Footer Placeholder 4">
             <a:extLst>
               <a:ext uri="{FF2B5EF4-FFF2-40B4-BE49-F238E27FC236}">
-                <a16:creationId xmlns:a16="http://schemas.microsoft.com/office/drawing/2014/main" xmlns="" id="{689E110F-9678-4F90-886B-EC36CFE3CFD2}"/>
+                <a16:creationId xmlns="" xmlns:a16="http://schemas.microsoft.com/office/drawing/2014/main" id="{689E110F-9678-4F90-886B-EC36CFE3CFD2}"/>
               </a:ext>
             </a:extLst>
           </p:cNvPr>
@@ -506,7 +510,7 @@
           <p:cNvPr id="6" name="Slide Number Placeholder 5">
             <a:extLst>
               <a:ext uri="{FF2B5EF4-FFF2-40B4-BE49-F238E27FC236}">
-                <a16:creationId xmlns:a16="http://schemas.microsoft.com/office/drawing/2014/main" xmlns="" id="{2A118E87-2360-4674-8C4A-F27837C3ED4C}"/>
+                <a16:creationId xmlns="" xmlns:a16="http://schemas.microsoft.com/office/drawing/2014/main" id="{2A118E87-2360-4674-8C4A-F27837C3ED4C}"/>
               </a:ext>
             </a:extLst>
           </p:cNvPr>
@@ -565,7 +569,7 @@
           <p:cNvPr id="2" name="Vertical Title 1">
             <a:extLst>
               <a:ext uri="{FF2B5EF4-FFF2-40B4-BE49-F238E27FC236}">
-                <a16:creationId xmlns:a16="http://schemas.microsoft.com/office/drawing/2014/main" xmlns="" id="{B0885F29-18E9-4C4F-B878-6FAF144995BA}"/>
+                <a16:creationId xmlns="" xmlns:a16="http://schemas.microsoft.com/office/drawing/2014/main" id="{B0885F29-18E9-4C4F-B878-6FAF144995BA}"/>
               </a:ext>
             </a:extLst>
           </p:cNvPr>
@@ -598,7 +602,7 @@
           <p:cNvPr id="3" name="Vertical Text Placeholder 2">
             <a:extLst>
               <a:ext uri="{FF2B5EF4-FFF2-40B4-BE49-F238E27FC236}">
-                <a16:creationId xmlns:a16="http://schemas.microsoft.com/office/drawing/2014/main" xmlns="" id="{A7109100-2C7B-4EA2-8B05-6A03D3FC53E8}"/>
+                <a16:creationId xmlns="" xmlns:a16="http://schemas.microsoft.com/office/drawing/2014/main" id="{A7109100-2C7B-4EA2-8B05-6A03D3FC53E8}"/>
               </a:ext>
             </a:extLst>
           </p:cNvPr>
@@ -660,7 +664,7 @@
           <p:cNvPr id="4" name="Date Placeholder 3">
             <a:extLst>
               <a:ext uri="{FF2B5EF4-FFF2-40B4-BE49-F238E27FC236}">
-                <a16:creationId xmlns:a16="http://schemas.microsoft.com/office/drawing/2014/main" xmlns="" id="{C973A41D-088C-498F-B572-938B30D39608}"/>
+                <a16:creationId xmlns="" xmlns:a16="http://schemas.microsoft.com/office/drawing/2014/main" id="{C973A41D-088C-498F-B572-938B30D39608}"/>
               </a:ext>
             </a:extLst>
           </p:cNvPr>
@@ -689,7 +693,7 @@
           <p:cNvPr id="5" name="Footer Placeholder 4">
             <a:extLst>
               <a:ext uri="{FF2B5EF4-FFF2-40B4-BE49-F238E27FC236}">
-                <a16:creationId xmlns:a16="http://schemas.microsoft.com/office/drawing/2014/main" xmlns="" id="{DCD39A46-712A-4A76-A27E-79B1F16294E9}"/>
+                <a16:creationId xmlns="" xmlns:a16="http://schemas.microsoft.com/office/drawing/2014/main" id="{DCD39A46-712A-4A76-A27E-79B1F16294E9}"/>
               </a:ext>
             </a:extLst>
           </p:cNvPr>
@@ -714,7 +718,7 @@
           <p:cNvPr id="6" name="Slide Number Placeholder 5">
             <a:extLst>
               <a:ext uri="{FF2B5EF4-FFF2-40B4-BE49-F238E27FC236}">
-                <a16:creationId xmlns:a16="http://schemas.microsoft.com/office/drawing/2014/main" xmlns="" id="{E21551B6-3F2D-4C3F-85F7-B85900794B62}"/>
+                <a16:creationId xmlns="" xmlns:a16="http://schemas.microsoft.com/office/drawing/2014/main" id="{E21551B6-3F2D-4C3F-85F7-B85900794B62}"/>
               </a:ext>
             </a:extLst>
           </p:cNvPr>
@@ -773,7 +777,7 @@
           <p:cNvPr id="2" name="Title 1">
             <a:extLst>
               <a:ext uri="{FF2B5EF4-FFF2-40B4-BE49-F238E27FC236}">
-                <a16:creationId xmlns:a16="http://schemas.microsoft.com/office/drawing/2014/main" xmlns="" id="{5C5A0B50-3F34-4C54-AF80-A5B0F35BC5A6}"/>
+                <a16:creationId xmlns="" xmlns:a16="http://schemas.microsoft.com/office/drawing/2014/main" id="{5C5A0B50-3F34-4C54-AF80-A5B0F35BC5A6}"/>
               </a:ext>
             </a:extLst>
           </p:cNvPr>
@@ -801,7 +805,7 @@
           <p:cNvPr id="3" name="Content Placeholder 2">
             <a:extLst>
               <a:ext uri="{FF2B5EF4-FFF2-40B4-BE49-F238E27FC236}">
-                <a16:creationId xmlns:a16="http://schemas.microsoft.com/office/drawing/2014/main" xmlns="" id="{85D99DA9-BEB8-422B-9916-8B0524BFEF2B}"/>
+                <a16:creationId xmlns="" xmlns:a16="http://schemas.microsoft.com/office/drawing/2014/main" id="{85D99DA9-BEB8-422B-9916-8B0524BFEF2B}"/>
               </a:ext>
             </a:extLst>
           </p:cNvPr>
@@ -858,7 +862,7 @@
           <p:cNvPr id="4" name="Date Placeholder 3">
             <a:extLst>
               <a:ext uri="{FF2B5EF4-FFF2-40B4-BE49-F238E27FC236}">
-                <a16:creationId xmlns:a16="http://schemas.microsoft.com/office/drawing/2014/main" xmlns="" id="{CE0DA59E-D121-4611-8E48-562BD68FE115}"/>
+                <a16:creationId xmlns="" xmlns:a16="http://schemas.microsoft.com/office/drawing/2014/main" id="{CE0DA59E-D121-4611-8E48-562BD68FE115}"/>
               </a:ext>
             </a:extLst>
           </p:cNvPr>
@@ -887,7 +891,7 @@
           <p:cNvPr id="5" name="Footer Placeholder 4">
             <a:extLst>
               <a:ext uri="{FF2B5EF4-FFF2-40B4-BE49-F238E27FC236}">
-                <a16:creationId xmlns:a16="http://schemas.microsoft.com/office/drawing/2014/main" xmlns="" id="{4C7FAFAC-E615-4EA7-B869-64FB6906AD79}"/>
+                <a16:creationId xmlns="" xmlns:a16="http://schemas.microsoft.com/office/drawing/2014/main" id="{4C7FAFAC-E615-4EA7-B869-64FB6906AD79}"/>
               </a:ext>
             </a:extLst>
           </p:cNvPr>
@@ -912,7 +916,7 @@
           <p:cNvPr id="6" name="Slide Number Placeholder 5">
             <a:extLst>
               <a:ext uri="{FF2B5EF4-FFF2-40B4-BE49-F238E27FC236}">
-                <a16:creationId xmlns:a16="http://schemas.microsoft.com/office/drawing/2014/main" xmlns="" id="{62CD0B0B-5060-4F00-836B-A58ECDCD7DB6}"/>
+                <a16:creationId xmlns="" xmlns:a16="http://schemas.microsoft.com/office/drawing/2014/main" id="{62CD0B0B-5060-4F00-836B-A58ECDCD7DB6}"/>
               </a:ext>
             </a:extLst>
           </p:cNvPr>
@@ -971,7 +975,7 @@
           <p:cNvPr id="2" name="Title 1">
             <a:extLst>
               <a:ext uri="{FF2B5EF4-FFF2-40B4-BE49-F238E27FC236}">
-                <a16:creationId xmlns:a16="http://schemas.microsoft.com/office/drawing/2014/main" xmlns="" id="{90047FF8-EE5D-480F-B661-818C2748A128}"/>
+                <a16:creationId xmlns="" xmlns:a16="http://schemas.microsoft.com/office/drawing/2014/main" id="{90047FF8-EE5D-480F-B661-818C2748A128}"/>
               </a:ext>
             </a:extLst>
           </p:cNvPr>
@@ -1008,7 +1012,7 @@
           <p:cNvPr id="3" name="Text Placeholder 2">
             <a:extLst>
               <a:ext uri="{FF2B5EF4-FFF2-40B4-BE49-F238E27FC236}">
-                <a16:creationId xmlns:a16="http://schemas.microsoft.com/office/drawing/2014/main" xmlns="" id="{F05FCF75-F52D-459E-B95F-F8CC1E72169F}"/>
+                <a16:creationId xmlns="" xmlns:a16="http://schemas.microsoft.com/office/drawing/2014/main" id="{F05FCF75-F52D-459E-B95F-F8CC1E72169F}"/>
               </a:ext>
             </a:extLst>
           </p:cNvPr>
@@ -1133,7 +1137,7 @@
           <p:cNvPr id="4" name="Date Placeholder 3">
             <a:extLst>
               <a:ext uri="{FF2B5EF4-FFF2-40B4-BE49-F238E27FC236}">
-                <a16:creationId xmlns:a16="http://schemas.microsoft.com/office/drawing/2014/main" xmlns="" id="{672EBE7A-EAB1-4C27-94BF-490A5575AF6D}"/>
+                <a16:creationId xmlns="" xmlns:a16="http://schemas.microsoft.com/office/drawing/2014/main" id="{672EBE7A-EAB1-4C27-94BF-490A5575AF6D}"/>
               </a:ext>
             </a:extLst>
           </p:cNvPr>
@@ -1162,7 +1166,7 @@
           <p:cNvPr id="5" name="Footer Placeholder 4">
             <a:extLst>
               <a:ext uri="{FF2B5EF4-FFF2-40B4-BE49-F238E27FC236}">
-                <a16:creationId xmlns:a16="http://schemas.microsoft.com/office/drawing/2014/main" xmlns="" id="{FF5746D0-9A98-452D-92D4-3D1DED32558E}"/>
+                <a16:creationId xmlns="" xmlns:a16="http://schemas.microsoft.com/office/drawing/2014/main" id="{FF5746D0-9A98-452D-92D4-3D1DED32558E}"/>
               </a:ext>
             </a:extLst>
           </p:cNvPr>
@@ -1187,7 +1191,7 @@
           <p:cNvPr id="6" name="Slide Number Placeholder 5">
             <a:extLst>
               <a:ext uri="{FF2B5EF4-FFF2-40B4-BE49-F238E27FC236}">
-                <a16:creationId xmlns:a16="http://schemas.microsoft.com/office/drawing/2014/main" xmlns="" id="{6DFDF462-6F9B-4C4F-9F17-D60C9D3EA377}"/>
+                <a16:creationId xmlns="" xmlns:a16="http://schemas.microsoft.com/office/drawing/2014/main" id="{6DFDF462-6F9B-4C4F-9F17-D60C9D3EA377}"/>
               </a:ext>
             </a:extLst>
           </p:cNvPr>
@@ -1246,7 +1250,7 @@
           <p:cNvPr id="2" name="Title 1">
             <a:extLst>
               <a:ext uri="{FF2B5EF4-FFF2-40B4-BE49-F238E27FC236}">
-                <a16:creationId xmlns:a16="http://schemas.microsoft.com/office/drawing/2014/main" xmlns="" id="{942948FA-B29A-404F-81E8-C564E60E4DE5}"/>
+                <a16:creationId xmlns="" xmlns:a16="http://schemas.microsoft.com/office/drawing/2014/main" id="{942948FA-B29A-404F-81E8-C564E60E4DE5}"/>
               </a:ext>
             </a:extLst>
           </p:cNvPr>
@@ -1274,7 +1278,7 @@
           <p:cNvPr id="3" name="Content Placeholder 2">
             <a:extLst>
               <a:ext uri="{FF2B5EF4-FFF2-40B4-BE49-F238E27FC236}">
-                <a16:creationId xmlns:a16="http://schemas.microsoft.com/office/drawing/2014/main" xmlns="" id="{3830B333-3EB1-41C3-9787-575DE054F438}"/>
+                <a16:creationId xmlns="" xmlns:a16="http://schemas.microsoft.com/office/drawing/2014/main" id="{3830B333-3EB1-41C3-9787-575DE054F438}"/>
               </a:ext>
             </a:extLst>
           </p:cNvPr>
@@ -1336,7 +1340,7 @@
           <p:cNvPr id="4" name="Content Placeholder 3">
             <a:extLst>
               <a:ext uri="{FF2B5EF4-FFF2-40B4-BE49-F238E27FC236}">
-                <a16:creationId xmlns:a16="http://schemas.microsoft.com/office/drawing/2014/main" xmlns="" id="{BFEC0202-25D5-4021-A01C-432EE49DA5CF}"/>
+                <a16:creationId xmlns="" xmlns:a16="http://schemas.microsoft.com/office/drawing/2014/main" id="{BFEC0202-25D5-4021-A01C-432EE49DA5CF}"/>
               </a:ext>
             </a:extLst>
           </p:cNvPr>
@@ -1398,7 +1402,7 @@
           <p:cNvPr id="5" name="Date Placeholder 4">
             <a:extLst>
               <a:ext uri="{FF2B5EF4-FFF2-40B4-BE49-F238E27FC236}">
-                <a16:creationId xmlns:a16="http://schemas.microsoft.com/office/drawing/2014/main" xmlns="" id="{85867C04-FC89-424F-BB25-A6C9A71E48D1}"/>
+                <a16:creationId xmlns="" xmlns:a16="http://schemas.microsoft.com/office/drawing/2014/main" id="{85867C04-FC89-424F-BB25-A6C9A71E48D1}"/>
               </a:ext>
             </a:extLst>
           </p:cNvPr>
@@ -1427,7 +1431,7 @@
           <p:cNvPr id="6" name="Footer Placeholder 5">
             <a:extLst>
               <a:ext uri="{FF2B5EF4-FFF2-40B4-BE49-F238E27FC236}">
-                <a16:creationId xmlns:a16="http://schemas.microsoft.com/office/drawing/2014/main" xmlns="" id="{C0A8267C-BB7D-4F34-A3F1-B1B1B0E92028}"/>
+                <a16:creationId xmlns="" xmlns:a16="http://schemas.microsoft.com/office/drawing/2014/main" id="{C0A8267C-BB7D-4F34-A3F1-B1B1B0E92028}"/>
               </a:ext>
             </a:extLst>
           </p:cNvPr>
@@ -1452,7 +1456,7 @@
           <p:cNvPr id="7" name="Slide Number Placeholder 6">
             <a:extLst>
               <a:ext uri="{FF2B5EF4-FFF2-40B4-BE49-F238E27FC236}">
-                <a16:creationId xmlns:a16="http://schemas.microsoft.com/office/drawing/2014/main" xmlns="" id="{2842278A-851D-444C-BC3C-EBE63D5793A2}"/>
+                <a16:creationId xmlns="" xmlns:a16="http://schemas.microsoft.com/office/drawing/2014/main" id="{2842278A-851D-444C-BC3C-EBE63D5793A2}"/>
               </a:ext>
             </a:extLst>
           </p:cNvPr>
@@ -1511,7 +1515,7 @@
           <p:cNvPr id="2" name="Title 1">
             <a:extLst>
               <a:ext uri="{FF2B5EF4-FFF2-40B4-BE49-F238E27FC236}">
-                <a16:creationId xmlns:a16="http://schemas.microsoft.com/office/drawing/2014/main" xmlns="" id="{3E3B3544-72E7-4BED-9F5E-BCB3742A815C}"/>
+                <a16:creationId xmlns="" xmlns:a16="http://schemas.microsoft.com/office/drawing/2014/main" id="{3E3B3544-72E7-4BED-9F5E-BCB3742A815C}"/>
               </a:ext>
             </a:extLst>
           </p:cNvPr>
@@ -1544,7 +1548,7 @@
           <p:cNvPr id="3" name="Text Placeholder 2">
             <a:extLst>
               <a:ext uri="{FF2B5EF4-FFF2-40B4-BE49-F238E27FC236}">
-                <a16:creationId xmlns:a16="http://schemas.microsoft.com/office/drawing/2014/main" xmlns="" id="{B2161C5C-0607-4EA8-BA74-7FD86A2B5B0D}"/>
+                <a16:creationId xmlns="" xmlns:a16="http://schemas.microsoft.com/office/drawing/2014/main" id="{B2161C5C-0607-4EA8-BA74-7FD86A2B5B0D}"/>
               </a:ext>
             </a:extLst>
           </p:cNvPr>
@@ -1615,7 +1619,7 @@
           <p:cNvPr id="4" name="Content Placeholder 3">
             <a:extLst>
               <a:ext uri="{FF2B5EF4-FFF2-40B4-BE49-F238E27FC236}">
-                <a16:creationId xmlns:a16="http://schemas.microsoft.com/office/drawing/2014/main" xmlns="" id="{2CF609A4-AB79-4BD4-90D5-49C99B6DA719}"/>
+                <a16:creationId xmlns="" xmlns:a16="http://schemas.microsoft.com/office/drawing/2014/main" id="{2CF609A4-AB79-4BD4-90D5-49C99B6DA719}"/>
               </a:ext>
             </a:extLst>
           </p:cNvPr>
@@ -1677,7 +1681,7 @@
           <p:cNvPr id="5" name="Text Placeholder 4">
             <a:extLst>
               <a:ext uri="{FF2B5EF4-FFF2-40B4-BE49-F238E27FC236}">
-                <a16:creationId xmlns:a16="http://schemas.microsoft.com/office/drawing/2014/main" xmlns="" id="{99FAE4A0-17E8-4B01-95AD-E30A4E80B6F1}"/>
+                <a16:creationId xmlns="" xmlns:a16="http://schemas.microsoft.com/office/drawing/2014/main" id="{99FAE4A0-17E8-4B01-95AD-E30A4E80B6F1}"/>
               </a:ext>
             </a:extLst>
           </p:cNvPr>
@@ -1748,7 +1752,7 @@
           <p:cNvPr id="6" name="Content Placeholder 5">
             <a:extLst>
               <a:ext uri="{FF2B5EF4-FFF2-40B4-BE49-F238E27FC236}">
-                <a16:creationId xmlns:a16="http://schemas.microsoft.com/office/drawing/2014/main" xmlns="" id="{DC48A138-AA67-41B0-B701-ADABE54179F5}"/>
+                <a16:creationId xmlns="" xmlns:a16="http://schemas.microsoft.com/office/drawing/2014/main" id="{DC48A138-AA67-41B0-B701-ADABE54179F5}"/>
               </a:ext>
             </a:extLst>
           </p:cNvPr>
@@ -1810,7 +1814,7 @@
           <p:cNvPr id="7" name="Date Placeholder 6">
             <a:extLst>
               <a:ext uri="{FF2B5EF4-FFF2-40B4-BE49-F238E27FC236}">
-                <a16:creationId xmlns:a16="http://schemas.microsoft.com/office/drawing/2014/main" xmlns="" id="{E059DA53-55F1-45BF-91AA-BE74821FDD89}"/>
+                <a16:creationId xmlns="" xmlns:a16="http://schemas.microsoft.com/office/drawing/2014/main" id="{E059DA53-55F1-45BF-91AA-BE74821FDD89}"/>
               </a:ext>
             </a:extLst>
           </p:cNvPr>
@@ -1839,7 +1843,7 @@
           <p:cNvPr id="8" name="Footer Placeholder 7">
             <a:extLst>
               <a:ext uri="{FF2B5EF4-FFF2-40B4-BE49-F238E27FC236}">
-                <a16:creationId xmlns:a16="http://schemas.microsoft.com/office/drawing/2014/main" xmlns="" id="{FD25F088-C351-4F81-AEAA-CBDBAFBC45DA}"/>
+                <a16:creationId xmlns="" xmlns:a16="http://schemas.microsoft.com/office/drawing/2014/main" id="{FD25F088-C351-4F81-AEAA-CBDBAFBC45DA}"/>
               </a:ext>
             </a:extLst>
           </p:cNvPr>
@@ -1864,7 +1868,7 @@
           <p:cNvPr id="9" name="Slide Number Placeholder 8">
             <a:extLst>
               <a:ext uri="{FF2B5EF4-FFF2-40B4-BE49-F238E27FC236}">
-                <a16:creationId xmlns:a16="http://schemas.microsoft.com/office/drawing/2014/main" xmlns="" id="{877E2BA7-490D-4246-94FB-B013357E4B0F}"/>
+                <a16:creationId xmlns="" xmlns:a16="http://schemas.microsoft.com/office/drawing/2014/main" id="{877E2BA7-490D-4246-94FB-B013357E4B0F}"/>
               </a:ext>
             </a:extLst>
           </p:cNvPr>
@@ -1923,7 +1927,7 @@
           <p:cNvPr id="2" name="Title 1">
             <a:extLst>
               <a:ext uri="{FF2B5EF4-FFF2-40B4-BE49-F238E27FC236}">
-                <a16:creationId xmlns:a16="http://schemas.microsoft.com/office/drawing/2014/main" xmlns="" id="{3AE0D3AB-62EC-4628-9818-BE3396462E09}"/>
+                <a16:creationId xmlns="" xmlns:a16="http://schemas.microsoft.com/office/drawing/2014/main" id="{3AE0D3AB-62EC-4628-9818-BE3396462E09}"/>
               </a:ext>
             </a:extLst>
           </p:cNvPr>
@@ -1951,7 +1955,7 @@
           <p:cNvPr id="3" name="Date Placeholder 2">
             <a:extLst>
               <a:ext uri="{FF2B5EF4-FFF2-40B4-BE49-F238E27FC236}">
-                <a16:creationId xmlns:a16="http://schemas.microsoft.com/office/drawing/2014/main" xmlns="" id="{20EE11A2-4502-44BB-974D-D3E21C686792}"/>
+                <a16:creationId xmlns="" xmlns:a16="http://schemas.microsoft.com/office/drawing/2014/main" id="{20EE11A2-4502-44BB-974D-D3E21C686792}"/>
               </a:ext>
             </a:extLst>
           </p:cNvPr>
@@ -1980,7 +1984,7 @@
           <p:cNvPr id="4" name="Footer Placeholder 3">
             <a:extLst>
               <a:ext uri="{FF2B5EF4-FFF2-40B4-BE49-F238E27FC236}">
-                <a16:creationId xmlns:a16="http://schemas.microsoft.com/office/drawing/2014/main" xmlns="" id="{B2B6FB2B-4000-4CE0-AAB3-54824D548D2E}"/>
+                <a16:creationId xmlns="" xmlns:a16="http://schemas.microsoft.com/office/drawing/2014/main" id="{B2B6FB2B-4000-4CE0-AAB3-54824D548D2E}"/>
               </a:ext>
             </a:extLst>
           </p:cNvPr>
@@ -2005,7 +2009,7 @@
           <p:cNvPr id="5" name="Slide Number Placeholder 4">
             <a:extLst>
               <a:ext uri="{FF2B5EF4-FFF2-40B4-BE49-F238E27FC236}">
-                <a16:creationId xmlns:a16="http://schemas.microsoft.com/office/drawing/2014/main" xmlns="" id="{FBF5D0B4-08A4-48C1-8591-A89F231CA699}"/>
+                <a16:creationId xmlns="" xmlns:a16="http://schemas.microsoft.com/office/drawing/2014/main" id="{FBF5D0B4-08A4-48C1-8591-A89F231CA699}"/>
               </a:ext>
             </a:extLst>
           </p:cNvPr>
@@ -2064,7 +2068,7 @@
           <p:cNvPr id="2" name="Date Placeholder 1">
             <a:extLst>
               <a:ext uri="{FF2B5EF4-FFF2-40B4-BE49-F238E27FC236}">
-                <a16:creationId xmlns:a16="http://schemas.microsoft.com/office/drawing/2014/main" xmlns="" id="{53C8D272-236C-46F0-9841-968625CDE542}"/>
+                <a16:creationId xmlns="" xmlns:a16="http://schemas.microsoft.com/office/drawing/2014/main" id="{53C8D272-236C-46F0-9841-968625CDE542}"/>
               </a:ext>
             </a:extLst>
           </p:cNvPr>
@@ -2093,7 +2097,7 @@
           <p:cNvPr id="3" name="Footer Placeholder 2">
             <a:extLst>
               <a:ext uri="{FF2B5EF4-FFF2-40B4-BE49-F238E27FC236}">
-                <a16:creationId xmlns:a16="http://schemas.microsoft.com/office/drawing/2014/main" xmlns="" id="{CA864948-C0D6-4CEE-813C-C7A2DA7B53D9}"/>
+                <a16:creationId xmlns="" xmlns:a16="http://schemas.microsoft.com/office/drawing/2014/main" id="{CA864948-C0D6-4CEE-813C-C7A2DA7B53D9}"/>
               </a:ext>
             </a:extLst>
           </p:cNvPr>
@@ -2118,7 +2122,7 @@
           <p:cNvPr id="4" name="Slide Number Placeholder 3">
             <a:extLst>
               <a:ext uri="{FF2B5EF4-FFF2-40B4-BE49-F238E27FC236}">
-                <a16:creationId xmlns:a16="http://schemas.microsoft.com/office/drawing/2014/main" xmlns="" id="{21825727-525E-4BE8-8930-C9A464B54697}"/>
+                <a16:creationId xmlns="" xmlns:a16="http://schemas.microsoft.com/office/drawing/2014/main" id="{21825727-525E-4BE8-8930-C9A464B54697}"/>
               </a:ext>
             </a:extLst>
           </p:cNvPr>
@@ -2177,7 +2181,7 @@
           <p:cNvPr id="2" name="Title 1">
             <a:extLst>
               <a:ext uri="{FF2B5EF4-FFF2-40B4-BE49-F238E27FC236}">
-                <a16:creationId xmlns:a16="http://schemas.microsoft.com/office/drawing/2014/main" xmlns="" id="{78E47E50-F5C0-452F-B5B7-65FEAC34844E}"/>
+                <a16:creationId xmlns="" xmlns:a16="http://schemas.microsoft.com/office/drawing/2014/main" id="{78E47E50-F5C0-452F-B5B7-65FEAC34844E}"/>
               </a:ext>
             </a:extLst>
           </p:cNvPr>
@@ -2214,7 +2218,7 @@
           <p:cNvPr id="3" name="Content Placeholder 2">
             <a:extLst>
               <a:ext uri="{FF2B5EF4-FFF2-40B4-BE49-F238E27FC236}">
-                <a16:creationId xmlns:a16="http://schemas.microsoft.com/office/drawing/2014/main" xmlns="" id="{0497C64B-7CAA-449B-93A2-8607C80487C9}"/>
+                <a16:creationId xmlns="" xmlns:a16="http://schemas.microsoft.com/office/drawing/2014/main" id="{0497C64B-7CAA-449B-93A2-8607C80487C9}"/>
               </a:ext>
             </a:extLst>
           </p:cNvPr>
@@ -2304,7 +2308,7 @@
           <p:cNvPr id="4" name="Text Placeholder 3">
             <a:extLst>
               <a:ext uri="{FF2B5EF4-FFF2-40B4-BE49-F238E27FC236}">
-                <a16:creationId xmlns:a16="http://schemas.microsoft.com/office/drawing/2014/main" xmlns="" id="{20B3DB96-21F2-4556-82AA-571CA2FBBF81}"/>
+                <a16:creationId xmlns="" xmlns:a16="http://schemas.microsoft.com/office/drawing/2014/main" id="{20B3DB96-21F2-4556-82AA-571CA2FBBF81}"/>
               </a:ext>
             </a:extLst>
           </p:cNvPr>
@@ -2375,7 +2379,7 @@
           <p:cNvPr id="5" name="Date Placeholder 4">
             <a:extLst>
               <a:ext uri="{FF2B5EF4-FFF2-40B4-BE49-F238E27FC236}">
-                <a16:creationId xmlns:a16="http://schemas.microsoft.com/office/drawing/2014/main" xmlns="" id="{EA06DF11-A5E1-4526-A71B-1CC6807CA104}"/>
+                <a16:creationId xmlns="" xmlns:a16="http://schemas.microsoft.com/office/drawing/2014/main" id="{EA06DF11-A5E1-4526-A71B-1CC6807CA104}"/>
               </a:ext>
             </a:extLst>
           </p:cNvPr>
@@ -2404,7 +2408,7 @@
           <p:cNvPr id="6" name="Footer Placeholder 5">
             <a:extLst>
               <a:ext uri="{FF2B5EF4-FFF2-40B4-BE49-F238E27FC236}">
-                <a16:creationId xmlns:a16="http://schemas.microsoft.com/office/drawing/2014/main" xmlns="" id="{0F4FDF81-05F3-4324-AB83-46ABB352BAFA}"/>
+                <a16:creationId xmlns="" xmlns:a16="http://schemas.microsoft.com/office/drawing/2014/main" id="{0F4FDF81-05F3-4324-AB83-46ABB352BAFA}"/>
               </a:ext>
             </a:extLst>
           </p:cNvPr>
@@ -2429,7 +2433,7 @@
           <p:cNvPr id="7" name="Slide Number Placeholder 6">
             <a:extLst>
               <a:ext uri="{FF2B5EF4-FFF2-40B4-BE49-F238E27FC236}">
-                <a16:creationId xmlns:a16="http://schemas.microsoft.com/office/drawing/2014/main" xmlns="" id="{760F9756-4F49-41A3-BD06-2E16FD881AA5}"/>
+                <a16:creationId xmlns="" xmlns:a16="http://schemas.microsoft.com/office/drawing/2014/main" id="{760F9756-4F49-41A3-BD06-2E16FD881AA5}"/>
               </a:ext>
             </a:extLst>
           </p:cNvPr>
@@ -2488,7 +2492,7 @@
           <p:cNvPr id="2" name="Title 1">
             <a:extLst>
               <a:ext uri="{FF2B5EF4-FFF2-40B4-BE49-F238E27FC236}">
-                <a16:creationId xmlns:a16="http://schemas.microsoft.com/office/drawing/2014/main" xmlns="" id="{CAFA5ECB-9EE3-4D58-8F5E-FBF28331C577}"/>
+                <a16:creationId xmlns="" xmlns:a16="http://schemas.microsoft.com/office/drawing/2014/main" id="{CAFA5ECB-9EE3-4D58-8F5E-FBF28331C577}"/>
               </a:ext>
             </a:extLst>
           </p:cNvPr>
@@ -2525,7 +2529,7 @@
           <p:cNvPr id="3" name="Picture Placeholder 2">
             <a:extLst>
               <a:ext uri="{FF2B5EF4-FFF2-40B4-BE49-F238E27FC236}">
-                <a16:creationId xmlns:a16="http://schemas.microsoft.com/office/drawing/2014/main" xmlns="" id="{6918ECF3-A36A-4A33-BECC-17BDDF7D32FE}"/>
+                <a16:creationId xmlns="" xmlns:a16="http://schemas.microsoft.com/office/drawing/2014/main" id="{6918ECF3-A36A-4A33-BECC-17BDDF7D32FE}"/>
               </a:ext>
             </a:extLst>
           </p:cNvPr>
@@ -2592,7 +2596,7 @@
           <p:cNvPr id="4" name="Text Placeholder 3">
             <a:extLst>
               <a:ext uri="{FF2B5EF4-FFF2-40B4-BE49-F238E27FC236}">
-                <a16:creationId xmlns:a16="http://schemas.microsoft.com/office/drawing/2014/main" xmlns="" id="{A570AC9F-C789-4DAF-8176-16C7C8940C67}"/>
+                <a16:creationId xmlns="" xmlns:a16="http://schemas.microsoft.com/office/drawing/2014/main" id="{A570AC9F-C789-4DAF-8176-16C7C8940C67}"/>
               </a:ext>
             </a:extLst>
           </p:cNvPr>
@@ -2663,7 +2667,7 @@
           <p:cNvPr id="5" name="Date Placeholder 4">
             <a:extLst>
               <a:ext uri="{FF2B5EF4-FFF2-40B4-BE49-F238E27FC236}">
-                <a16:creationId xmlns:a16="http://schemas.microsoft.com/office/drawing/2014/main" xmlns="" id="{D6CCFBCD-9CA3-47B1-B706-DC4387A745EC}"/>
+                <a16:creationId xmlns="" xmlns:a16="http://schemas.microsoft.com/office/drawing/2014/main" id="{D6CCFBCD-9CA3-47B1-B706-DC4387A745EC}"/>
               </a:ext>
             </a:extLst>
           </p:cNvPr>
@@ -2692,7 +2696,7 @@
           <p:cNvPr id="6" name="Footer Placeholder 5">
             <a:extLst>
               <a:ext uri="{FF2B5EF4-FFF2-40B4-BE49-F238E27FC236}">
-                <a16:creationId xmlns:a16="http://schemas.microsoft.com/office/drawing/2014/main" xmlns="" id="{D6352906-ADC0-4574-98EA-6C3051FBDA0A}"/>
+                <a16:creationId xmlns="" xmlns:a16="http://schemas.microsoft.com/office/drawing/2014/main" id="{D6352906-ADC0-4574-98EA-6C3051FBDA0A}"/>
               </a:ext>
             </a:extLst>
           </p:cNvPr>
@@ -2717,7 +2721,7 @@
           <p:cNvPr id="7" name="Slide Number Placeholder 6">
             <a:extLst>
               <a:ext uri="{FF2B5EF4-FFF2-40B4-BE49-F238E27FC236}">
-                <a16:creationId xmlns:a16="http://schemas.microsoft.com/office/drawing/2014/main" xmlns="" id="{CECC1073-97BE-4BAA-B099-DC8A8CFB5B4D}"/>
+                <a16:creationId xmlns="" xmlns:a16="http://schemas.microsoft.com/office/drawing/2014/main" id="{CECC1073-97BE-4BAA-B099-DC8A8CFB5B4D}"/>
               </a:ext>
             </a:extLst>
           </p:cNvPr>
@@ -2781,7 +2785,7 @@
           <p:cNvPr id="2" name="Title Placeholder 1">
             <a:extLst>
               <a:ext uri="{FF2B5EF4-FFF2-40B4-BE49-F238E27FC236}">
-                <a16:creationId xmlns:a16="http://schemas.microsoft.com/office/drawing/2014/main" xmlns="" id="{523068F0-2667-49FB-B5C7-E4B9228924EA}"/>
+                <a16:creationId xmlns="" xmlns:a16="http://schemas.microsoft.com/office/drawing/2014/main" id="{523068F0-2667-49FB-B5C7-E4B9228924EA}"/>
               </a:ext>
             </a:extLst>
           </p:cNvPr>
@@ -2819,7 +2823,7 @@
           <p:cNvPr id="3" name="Text Placeholder 2">
             <a:extLst>
               <a:ext uri="{FF2B5EF4-FFF2-40B4-BE49-F238E27FC236}">
-                <a16:creationId xmlns:a16="http://schemas.microsoft.com/office/drawing/2014/main" xmlns="" id="{9084CA47-AB0B-4891-9550-026DEB9C30C7}"/>
+                <a16:creationId xmlns="" xmlns:a16="http://schemas.microsoft.com/office/drawing/2014/main" id="{9084CA47-AB0B-4891-9550-026DEB9C30C7}"/>
               </a:ext>
             </a:extLst>
           </p:cNvPr>
@@ -2886,7 +2890,7 @@
           <p:cNvPr id="4" name="Date Placeholder 3">
             <a:extLst>
               <a:ext uri="{FF2B5EF4-FFF2-40B4-BE49-F238E27FC236}">
-                <a16:creationId xmlns:a16="http://schemas.microsoft.com/office/drawing/2014/main" xmlns="" id="{C2E16844-2B8B-45D6-930F-EB2DD76FD943}"/>
+                <a16:creationId xmlns="" xmlns:a16="http://schemas.microsoft.com/office/drawing/2014/main" id="{C2E16844-2B8B-45D6-930F-EB2DD76FD943}"/>
               </a:ext>
             </a:extLst>
           </p:cNvPr>
@@ -2933,7 +2937,7 @@
           <p:cNvPr id="5" name="Footer Placeholder 4">
             <a:extLst>
               <a:ext uri="{FF2B5EF4-FFF2-40B4-BE49-F238E27FC236}">
-                <a16:creationId xmlns:a16="http://schemas.microsoft.com/office/drawing/2014/main" xmlns="" id="{AD369B28-B08F-41CC-BA05-201247AC1658}"/>
+                <a16:creationId xmlns="" xmlns:a16="http://schemas.microsoft.com/office/drawing/2014/main" id="{AD369B28-B08F-41CC-BA05-201247AC1658}"/>
               </a:ext>
             </a:extLst>
           </p:cNvPr>
@@ -2976,7 +2980,7 @@
           <p:cNvPr id="6" name="Slide Number Placeholder 5">
             <a:extLst>
               <a:ext uri="{FF2B5EF4-FFF2-40B4-BE49-F238E27FC236}">
-                <a16:creationId xmlns:a16="http://schemas.microsoft.com/office/drawing/2014/main" xmlns="" id="{A921ED49-77C2-4B88-AC6E-31E411B58E3D}"/>
+                <a16:creationId xmlns="" xmlns:a16="http://schemas.microsoft.com/office/drawing/2014/main" id="{A921ED49-77C2-4B88-AC6E-31E411B58E3D}"/>
               </a:ext>
             </a:extLst>
           </p:cNvPr>
@@ -3344,7 +3348,7 @@
           <p:cNvPr id="2" name="Title 1">
             <a:extLst>
               <a:ext uri="{FF2B5EF4-FFF2-40B4-BE49-F238E27FC236}">
-                <a16:creationId xmlns:a16="http://schemas.microsoft.com/office/drawing/2014/main" xmlns="" id="{8247636E-74B9-4C8D-9C36-BEE93D7EF94B}"/>
+                <a16:creationId xmlns="" xmlns:a16="http://schemas.microsoft.com/office/drawing/2014/main" id="{8247636E-74B9-4C8D-9C36-BEE93D7EF94B}"/>
               </a:ext>
             </a:extLst>
           </p:cNvPr>
@@ -3372,7 +3376,7 @@
           <p:cNvPr id="3" name="Subtitle 2">
             <a:extLst>
               <a:ext uri="{FF2B5EF4-FFF2-40B4-BE49-F238E27FC236}">
-                <a16:creationId xmlns:a16="http://schemas.microsoft.com/office/drawing/2014/main" xmlns="" id="{07C916CC-D67C-4EB0-B2C9-E1851DA10B14}"/>
+                <a16:creationId xmlns="" xmlns:a16="http://schemas.microsoft.com/office/drawing/2014/main" id="{07C916CC-D67C-4EB0-B2C9-E1851DA10B14}"/>
               </a:ext>
             </a:extLst>
           </p:cNvPr>
@@ -3443,6 +3447,212 @@
 </file>
 
 <file path=ppt/slides/slide10.xml><?xml version="1.0" encoding="utf-8"?>
+<p:sld xmlns:a="http://schemas.openxmlformats.org/drawingml/2006/main" xmlns:r="http://schemas.openxmlformats.org/officeDocument/2006/relationships" xmlns:p="http://schemas.openxmlformats.org/presentationml/2006/main">
+  <p:cSld>
+    <p:spTree>
+      <p:nvGrpSpPr>
+        <p:cNvPr id="1" name=""/>
+        <p:cNvGrpSpPr/>
+        <p:nvPr/>
+      </p:nvGrpSpPr>
+      <p:grpSpPr>
+        <a:xfrm>
+          <a:off x="0" y="0"/>
+          <a:ext cx="0" cy="0"/>
+          <a:chOff x="0" y="0"/>
+          <a:chExt cx="0" cy="0"/>
+        </a:xfrm>
+      </p:grpSpPr>
+      <p:sp>
+        <p:nvSpPr>
+          <p:cNvPr id="4" name="TextBox 3"/>
+          <p:cNvSpPr txBox="1"/>
+          <p:nvPr/>
+        </p:nvSpPr>
+        <p:spPr>
+          <a:xfrm>
+            <a:off x="244699" y="399245"/>
+            <a:ext cx="11384924" cy="1477328"/>
+          </a:xfrm>
+          <a:prstGeom prst="rect">
+            <a:avLst/>
+          </a:prstGeom>
+          <a:noFill/>
+        </p:spPr>
+        <p:txBody>
+          <a:bodyPr wrap="square" rtlCol="0">
+            <a:spAutoFit/>
+          </a:bodyPr>
+          <a:lstStyle/>
+          <a:p>
+            <a:r>
+              <a:rPr lang="en-IN" dirty="0" smtClean="0"/>
+              <a:t>The data obtained from such websites can be used in many ways.</a:t>
+            </a:r>
+          </a:p>
+          <a:p>
+            <a:endParaRPr lang="en-IN" dirty="0" smtClean="0"/>
+          </a:p>
+          <a:p>
+            <a:r>
+              <a:rPr lang="en-IN" dirty="0" smtClean="0"/>
+              <a:t>The following output file can be used to feed into another system for processing and filtering various companies which can do the respective work and has a good review.</a:t>
+            </a:r>
+          </a:p>
+          <a:p>
+            <a:endParaRPr lang="en-IN" dirty="0"/>
+          </a:p>
+        </p:txBody>
+      </p:sp>
+      <p:sp>
+        <p:nvSpPr>
+          <p:cNvPr id="6" name="TextBox 5"/>
+          <p:cNvSpPr txBox="1"/>
+          <p:nvPr/>
+        </p:nvSpPr>
+        <p:spPr>
+          <a:xfrm>
+            <a:off x="360608" y="2408349"/>
+            <a:ext cx="11269015" cy="646331"/>
+          </a:xfrm>
+          <a:prstGeom prst="rect">
+            <a:avLst/>
+          </a:prstGeom>
+          <a:noFill/>
+        </p:spPr>
+        <p:txBody>
+          <a:bodyPr wrap="square" rtlCol="0">
+            <a:spAutoFit/>
+          </a:bodyPr>
+          <a:lstStyle/>
+          <a:p>
+            <a:r>
+              <a:rPr lang="en-IN" dirty="0" smtClean="0"/>
+              <a:t>NOTE : As shown for this sample site, the following can be done for many websites which contain much more important information and be processed in an effective way.</a:t>
+            </a:r>
+            <a:endParaRPr lang="en-IN" dirty="0"/>
+          </a:p>
+        </p:txBody>
+      </p:sp>
+    </p:spTree>
+    <p:extLst>
+      <p:ext uri="{BB962C8B-B14F-4D97-AF65-F5344CB8AC3E}">
+        <p14:creationId xmlns:p14="http://schemas.microsoft.com/office/powerpoint/2010/main" val="640280662"/>
+      </p:ext>
+    </p:extLst>
+  </p:cSld>
+  <p:clrMapOvr>
+    <a:masterClrMapping/>
+  </p:clrMapOvr>
+</p:sld>
+</file>
+
+<file path=ppt/slides/slide11.xml><?xml version="1.0" encoding="utf-8"?>
+<p:sld xmlns:a="http://schemas.openxmlformats.org/drawingml/2006/main" xmlns:r="http://schemas.openxmlformats.org/officeDocument/2006/relationships" xmlns:p="http://schemas.openxmlformats.org/presentationml/2006/main">
+  <p:cSld>
+    <p:spTree>
+      <p:nvGrpSpPr>
+        <p:cNvPr id="1" name=""/>
+        <p:cNvGrpSpPr/>
+        <p:nvPr/>
+      </p:nvGrpSpPr>
+      <p:grpSpPr>
+        <a:xfrm>
+          <a:off x="0" y="0"/>
+          <a:ext cx="0" cy="0"/>
+          <a:chOff x="0" y="0"/>
+          <a:chExt cx="0" cy="0"/>
+        </a:xfrm>
+      </p:grpSpPr>
+      <p:sp>
+        <p:nvSpPr>
+          <p:cNvPr id="3" name="Content Placeholder 2"/>
+          <p:cNvSpPr>
+            <a:spLocks noGrp="1"/>
+          </p:cNvSpPr>
+          <p:nvPr>
+            <p:ph idx="1"/>
+          </p:nvPr>
+        </p:nvSpPr>
+        <p:spPr>
+          <a:xfrm>
+            <a:off x="838200" y="412124"/>
+            <a:ext cx="10515600" cy="5764839"/>
+          </a:xfrm>
+        </p:spPr>
+        <p:txBody>
+          <a:bodyPr/>
+          <a:lstStyle/>
+          <a:p>
+            <a:r>
+              <a:rPr lang="en-IN" dirty="0" smtClean="0"/>
+              <a:t>Data Science   |  Machine Learning   |   Artificial Intelligence</a:t>
+            </a:r>
+          </a:p>
+          <a:p>
+            <a:endParaRPr lang="en-IN" dirty="0"/>
+          </a:p>
+          <a:p>
+            <a:pPr marL="0" indent="0">
+              <a:buNone/>
+            </a:pPr>
+            <a:endParaRPr lang="en-IN" dirty="0" smtClean="0"/>
+          </a:p>
+          <a:p>
+            <a:endParaRPr lang="en-IN" dirty="0" smtClean="0"/>
+          </a:p>
+          <a:p>
+            <a:endParaRPr lang="en-IN" dirty="0"/>
+          </a:p>
+          <a:p>
+            <a:endParaRPr lang="en-IN" dirty="0"/>
+          </a:p>
+        </p:txBody>
+      </p:sp>
+      <p:pic>
+        <p:nvPicPr>
+          <p:cNvPr id="4" name="Picture 3"/>
+          <p:cNvPicPr>
+            <a:picLocks noChangeAspect="1"/>
+          </p:cNvPicPr>
+          <p:nvPr/>
+        </p:nvPicPr>
+        <p:blipFill>
+          <a:blip r:embed="rId2">
+            <a:extLst>
+              <a:ext uri="{28A0092B-C50C-407E-A947-70E740481C1C}">
+                <a14:useLocalDpi xmlns:a14="http://schemas.microsoft.com/office/drawing/2010/main" val="0"/>
+              </a:ext>
+            </a:extLst>
+          </a:blip>
+          <a:stretch>
+            <a:fillRect/>
+          </a:stretch>
+        </p:blipFill>
+        <p:spPr>
+          <a:xfrm>
+            <a:off x="2279561" y="1345560"/>
+            <a:ext cx="5872765" cy="5068118"/>
+          </a:xfrm>
+          <a:prstGeom prst="rect">
+            <a:avLst/>
+          </a:prstGeom>
+        </p:spPr>
+      </p:pic>
+    </p:spTree>
+    <p:extLst>
+      <p:ext uri="{BB962C8B-B14F-4D97-AF65-F5344CB8AC3E}">
+        <p14:creationId xmlns:p14="http://schemas.microsoft.com/office/powerpoint/2010/main" val="586677274"/>
+      </p:ext>
+    </p:extLst>
+  </p:cSld>
+  <p:clrMapOvr>
+    <a:masterClrMapping/>
+  </p:clrMapOvr>
+</p:sld>
+</file>
+
+<file path=ppt/slides/slide12.xml><?xml version="1.0" encoding="utf-8"?>
 <p:sld xmlns:a="http://schemas.openxmlformats.org/drawingml/2006/main" xmlns:r="http://schemas.openxmlformats.org/officeDocument/2006/relationships" xmlns:p="http://schemas.openxmlformats.org/presentationml/2006/main">
   <p:cSld>
     <p:bg>
@@ -3472,7 +3682,7 @@
           <p:cNvPr id="10" name="Freeform 28">
             <a:extLst>
               <a:ext uri="{FF2B5EF4-FFF2-40B4-BE49-F238E27FC236}">
-                <a16:creationId xmlns:a16="http://schemas.microsoft.com/office/drawing/2014/main" xmlns="" id="{3FCC729B-E528-40C3-82D3-BA4375575E87}"/>
+                <a16:creationId xmlns="" xmlns:a16="http://schemas.microsoft.com/office/drawing/2014/main" id="{3FCC729B-E528-40C3-82D3-BA4375575E87}"/>
               </a:ext>
             </a:extLst>
           </p:cNvPr>
@@ -3482,7 +3692,7 @@
           <p:nvPr>
             <p:extLst>
               <p:ext uri="{386F3935-93C4-4BCD-93E2-E3B085C9AB24}">
-                <p16:designElem xmlns:p16="http://schemas.microsoft.com/office/powerpoint/2015/main" xmlns="" val="1"/>
+                <p16:designElem xmlns="" xmlns:p16="http://schemas.microsoft.com/office/powerpoint/2015/main" val="1"/>
               </p:ext>
             </p:extLst>
           </p:nvPr>
@@ -3581,7 +3791,7 @@
           <p:cNvPr id="12" name="Freeform 26">
             <a:extLst>
               <a:ext uri="{FF2B5EF4-FFF2-40B4-BE49-F238E27FC236}">
-                <a16:creationId xmlns:a16="http://schemas.microsoft.com/office/drawing/2014/main" xmlns="" id="{58F1FB8D-1842-4A04-998D-6CF047AB2790}"/>
+                <a16:creationId xmlns="" xmlns:a16="http://schemas.microsoft.com/office/drawing/2014/main" id="{58F1FB8D-1842-4A04-998D-6CF047AB2790}"/>
               </a:ext>
             </a:extLst>
           </p:cNvPr>
@@ -3591,7 +3801,7 @@
           <p:nvPr>
             <p:extLst>
               <p:ext uri="{386F3935-93C4-4BCD-93E2-E3B085C9AB24}">
-                <p16:designElem xmlns:p16="http://schemas.microsoft.com/office/powerpoint/2015/main" xmlns="" val="1"/>
+                <p16:designElem xmlns="" xmlns:p16="http://schemas.microsoft.com/office/powerpoint/2015/main" val="1"/>
               </p:ext>
             </p:extLst>
           </p:nvPr>
@@ -3689,7 +3899,7 @@
           <p:cNvPr id="5" name="Picture 4" descr="A picture containing object&#10;&#10;Description generated with high confidence">
             <a:extLst>
               <a:ext uri="{FF2B5EF4-FFF2-40B4-BE49-F238E27FC236}">
-                <a16:creationId xmlns:a16="http://schemas.microsoft.com/office/drawing/2014/main" xmlns="" id="{8D614FF3-33CD-4516-9F78-19ECD9DD7909}"/>
+                <a16:creationId xmlns="" xmlns:a16="http://schemas.microsoft.com/office/drawing/2014/main" id="{8D614FF3-33CD-4516-9F78-19ECD9DD7909}"/>
               </a:ext>
             </a:extLst>
           </p:cNvPr>
@@ -3725,7 +3935,7 @@
           <p:cNvPr id="2" name="Title 1">
             <a:extLst>
               <a:ext uri="{FF2B5EF4-FFF2-40B4-BE49-F238E27FC236}">
-                <a16:creationId xmlns:a16="http://schemas.microsoft.com/office/drawing/2014/main" xmlns="" id="{7A739E74-E989-4E20-BC40-2D6658343CE0}"/>
+                <a16:creationId xmlns="" xmlns:a16="http://schemas.microsoft.com/office/drawing/2014/main" id="{7A739E74-E989-4E20-BC40-2D6658343CE0}"/>
               </a:ext>
             </a:extLst>
           </p:cNvPr>
@@ -3764,7 +3974,7 @@
           <p:cNvPr id="3" name="Content Placeholder 2">
             <a:extLst>
               <a:ext uri="{FF2B5EF4-FFF2-40B4-BE49-F238E27FC236}">
-                <a16:creationId xmlns:a16="http://schemas.microsoft.com/office/drawing/2014/main" xmlns="" id="{C186FED5-4333-43DF-A61F-2A36E37264E8}"/>
+                <a16:creationId xmlns="" xmlns:a16="http://schemas.microsoft.com/office/drawing/2014/main" id="{C186FED5-4333-43DF-A61F-2A36E37264E8}"/>
               </a:ext>
             </a:extLst>
           </p:cNvPr>
@@ -3920,7 +4130,7 @@
 </p:sld>
 </file>
 
-<file path=ppt/slides/slide11.xml><?xml version="1.0" encoding="utf-8"?>
+<file path=ppt/slides/slide13.xml><?xml version="1.0" encoding="utf-8"?>
 <p:sld xmlns:a="http://schemas.openxmlformats.org/drawingml/2006/main" xmlns:r="http://schemas.openxmlformats.org/officeDocument/2006/relationships" xmlns:p="http://schemas.openxmlformats.org/presentationml/2006/main">
   <p:cSld>
     <p:bg>
@@ -3950,7 +4160,7 @@
           <p:cNvPr id="10" name="Rectangle 9">
             <a:extLst>
               <a:ext uri="{FF2B5EF4-FFF2-40B4-BE49-F238E27FC236}">
-                <a16:creationId xmlns:a16="http://schemas.microsoft.com/office/drawing/2014/main" xmlns="" id="{C5E6CFF1-2F42-4E10-9A97-F116F46F53FE}"/>
+                <a16:creationId xmlns="" xmlns:a16="http://schemas.microsoft.com/office/drawing/2014/main" id="{C5E6CFF1-2F42-4E10-9A97-F116F46F53FE}"/>
               </a:ext>
             </a:extLst>
           </p:cNvPr>
@@ -3960,7 +4170,7 @@
           <p:nvPr>
             <p:extLst>
               <p:ext uri="{386F3935-93C4-4BCD-93E2-E3B085C9AB24}">
-                <p16:designElem xmlns:p16="http://schemas.microsoft.com/office/powerpoint/2015/main" xmlns="" val="1"/>
+                <p16:designElem xmlns="" xmlns:p16="http://schemas.microsoft.com/office/powerpoint/2015/main" val="1"/>
               </p:ext>
             </p:extLst>
           </p:nvPr>
@@ -4010,7 +4220,7 @@
           <p:cNvPr id="5" name="Picture 4" descr="A screenshot of a cell phone&#10;&#10;Description generated with very high confidence">
             <a:extLst>
               <a:ext uri="{FF2B5EF4-FFF2-40B4-BE49-F238E27FC236}">
-                <a16:creationId xmlns:a16="http://schemas.microsoft.com/office/drawing/2014/main" xmlns="" id="{078CB09C-624D-4BDA-AE5C-30814EF7A514}"/>
+                <a16:creationId xmlns="" xmlns:a16="http://schemas.microsoft.com/office/drawing/2014/main" id="{078CB09C-624D-4BDA-AE5C-30814EF7A514}"/>
               </a:ext>
             </a:extLst>
           </p:cNvPr>
@@ -4046,7 +4256,7 @@
           <p:cNvPr id="12" name="Straight Connector 11">
             <a:extLst>
               <a:ext uri="{FF2B5EF4-FFF2-40B4-BE49-F238E27FC236}">
-                <a16:creationId xmlns:a16="http://schemas.microsoft.com/office/drawing/2014/main" xmlns="" id="{67182200-4859-4C8D-BCBB-55B245C28BA3}"/>
+                <a16:creationId xmlns="" xmlns:a16="http://schemas.microsoft.com/office/drawing/2014/main" id="{67182200-4859-4C8D-BCBB-55B245C28BA3}"/>
               </a:ext>
             </a:extLst>
           </p:cNvPr>
@@ -4056,7 +4266,7 @@
           <p:nvPr>
             <p:extLst>
               <p:ext uri="{386F3935-93C4-4BCD-93E2-E3B085C9AB24}">
-                <p16:designElem xmlns:p16="http://schemas.microsoft.com/office/powerpoint/2015/main" xmlns="" val="1"/>
+                <p16:designElem xmlns="" xmlns:p16="http://schemas.microsoft.com/office/powerpoint/2015/main" val="1"/>
               </p:ext>
             </p:extLst>
           </p:nvPr>
@@ -4095,7 +4305,7 @@
           <p:cNvPr id="2" name="Title 1">
             <a:extLst>
               <a:ext uri="{FF2B5EF4-FFF2-40B4-BE49-F238E27FC236}">
-                <a16:creationId xmlns:a16="http://schemas.microsoft.com/office/drawing/2014/main" xmlns="" id="{C5A0EAD4-1792-4290-AA63-2A3DBE53ADFC}"/>
+                <a16:creationId xmlns="" xmlns:a16="http://schemas.microsoft.com/office/drawing/2014/main" id="{C5A0EAD4-1792-4290-AA63-2A3DBE53ADFC}"/>
               </a:ext>
             </a:extLst>
           </p:cNvPr>
@@ -4135,7 +4345,7 @@
           <p:cNvPr id="3" name="Content Placeholder 2">
             <a:extLst>
               <a:ext uri="{FF2B5EF4-FFF2-40B4-BE49-F238E27FC236}">
-                <a16:creationId xmlns:a16="http://schemas.microsoft.com/office/drawing/2014/main" xmlns="" id="{4926997B-2F7A-4902-8E08-462B2D81FF2E}"/>
+                <a16:creationId xmlns="" xmlns:a16="http://schemas.microsoft.com/office/drawing/2014/main" id="{4926997B-2F7A-4902-8E08-462B2D81FF2E}"/>
               </a:ext>
             </a:extLst>
           </p:cNvPr>
@@ -4225,7 +4435,7 @@
 </p:sld>
 </file>
 
-<file path=ppt/slides/slide12.xml><?xml version="1.0" encoding="utf-8"?>
+<file path=ppt/slides/slide14.xml><?xml version="1.0" encoding="utf-8"?>
 <p:sld xmlns:a="http://schemas.openxmlformats.org/drawingml/2006/main" xmlns:r="http://schemas.openxmlformats.org/officeDocument/2006/relationships" xmlns:p="http://schemas.openxmlformats.org/presentationml/2006/main">
   <p:cSld>
     <p:bg>
@@ -4255,7 +4465,7 @@
           <p:cNvPr id="9" name="Rectangle 8">
             <a:extLst>
               <a:ext uri="{FF2B5EF4-FFF2-40B4-BE49-F238E27FC236}">
-                <a16:creationId xmlns:a16="http://schemas.microsoft.com/office/drawing/2014/main" xmlns="" id="{047C8CCB-F95D-4249-92DD-651249D3535A}"/>
+                <a16:creationId xmlns="" xmlns:a16="http://schemas.microsoft.com/office/drawing/2014/main" id="{047C8CCB-F95D-4249-92DD-651249D3535A}"/>
               </a:ext>
             </a:extLst>
           </p:cNvPr>
@@ -4265,7 +4475,7 @@
           <p:nvPr>
             <p:extLst>
               <p:ext uri="{386F3935-93C4-4BCD-93E2-E3B085C9AB24}">
-                <p16:designElem xmlns:p16="http://schemas.microsoft.com/office/powerpoint/2015/main" xmlns="" val="1"/>
+                <p16:designElem xmlns="" xmlns:p16="http://schemas.microsoft.com/office/powerpoint/2015/main" val="1"/>
               </p:ext>
             </p:extLst>
           </p:nvPr>
@@ -4318,7 +4528,7 @@
           <p:cNvPr id="4" name="Content Placeholder 3" descr="https://d3c33hcgiwev3.cloudfront.net/imageAssetProxy.v1/H6qTdZmYEeaagxL7xdFKxA_2f0f671110e8f7446bb2b5b2f75a8874_Screenshot-2016-10-23-20.14.58.png?expiry=1509062400000&amp;hmac=YzvHgbF4Yb0MURIxp2V5JZZ4uWaIPTEao9FCCPVSnA0">
             <a:extLst>
               <a:ext uri="{FF2B5EF4-FFF2-40B4-BE49-F238E27FC236}">
-                <a16:creationId xmlns:a16="http://schemas.microsoft.com/office/drawing/2014/main" xmlns="" id="{C97A4B1A-76FB-4CDE-BC47-9F96F36EBE82}"/>
+                <a16:creationId xmlns="" xmlns:a16="http://schemas.microsoft.com/office/drawing/2014/main" id="{C97A4B1A-76FB-4CDE-BC47-9F96F36EBE82}"/>
               </a:ext>
             </a:extLst>
           </p:cNvPr>
@@ -4358,7 +4568,7 @@
           <p:cNvPr id="2" name="Title 1">
             <a:extLst>
               <a:ext uri="{FF2B5EF4-FFF2-40B4-BE49-F238E27FC236}">
-                <a16:creationId xmlns:a16="http://schemas.microsoft.com/office/drawing/2014/main" xmlns="" id="{1C7C9BC3-4ABF-40E9-BFD1-218F047177BA}"/>
+                <a16:creationId xmlns="" xmlns:a16="http://schemas.microsoft.com/office/drawing/2014/main" id="{1C7C9BC3-4ABF-40E9-BFD1-218F047177BA}"/>
               </a:ext>
             </a:extLst>
           </p:cNvPr>
@@ -4437,7 +4647,7 @@
           <p:cNvPr id="5" name="TextBox 4">
             <a:extLst>
               <a:ext uri="{FF2B5EF4-FFF2-40B4-BE49-F238E27FC236}">
-                <a16:creationId xmlns:a16="http://schemas.microsoft.com/office/drawing/2014/main" xmlns="" id="{6A8D16CC-FAE0-4664-BD7B-A15C6C135B7E}"/>
+                <a16:creationId xmlns="" xmlns:a16="http://schemas.microsoft.com/office/drawing/2014/main" id="{6A8D16CC-FAE0-4664-BD7B-A15C6C135B7E}"/>
               </a:ext>
             </a:extLst>
           </p:cNvPr>
@@ -4480,7 +4690,7 @@
 </p:sld>
 </file>
 
-<file path=ppt/slides/slide13.xml><?xml version="1.0" encoding="utf-8"?>
+<file path=ppt/slides/slide15.xml><?xml version="1.0" encoding="utf-8"?>
 <p:sld xmlns:a="http://schemas.openxmlformats.org/drawingml/2006/main" xmlns:r="http://schemas.openxmlformats.org/officeDocument/2006/relationships" xmlns:p="http://schemas.openxmlformats.org/presentationml/2006/main">
   <p:cSld>
     <p:spTree>
@@ -4514,6 +4724,88 @@
           <a:p>
             <a:r>
               <a:rPr lang="en-IN" dirty="0" smtClean="0"/>
+              <a:t>Market Demand – Data Scientist</a:t>
+            </a:r>
+            <a:endParaRPr lang="en-IN" dirty="0"/>
+          </a:p>
+        </p:txBody>
+      </p:sp>
+      <p:pic>
+        <p:nvPicPr>
+          <p:cNvPr id="4" name="Content Placeholder 3"/>
+          <p:cNvPicPr>
+            <a:picLocks noGrp="1" noChangeAspect="1"/>
+          </p:cNvPicPr>
+          <p:nvPr>
+            <p:ph idx="1"/>
+          </p:nvPr>
+        </p:nvPicPr>
+        <p:blipFill>
+          <a:blip r:embed="rId2">
+            <a:extLst>
+              <a:ext uri="{28A0092B-C50C-407E-A947-70E740481C1C}">
+                <a14:useLocalDpi xmlns:a14="http://schemas.microsoft.com/office/drawing/2010/main" val="0"/>
+              </a:ext>
+            </a:extLst>
+          </a:blip>
+          <a:stretch>
+            <a:fillRect/>
+          </a:stretch>
+        </p:blipFill>
+        <p:spPr>
+          <a:xfrm>
+            <a:off x="1457033" y="1497505"/>
+            <a:ext cx="8369548" cy="4705770"/>
+          </a:xfrm>
+        </p:spPr>
+      </p:pic>
+    </p:spTree>
+    <p:extLst>
+      <p:ext uri="{BB962C8B-B14F-4D97-AF65-F5344CB8AC3E}">
+        <p14:creationId xmlns:p14="http://schemas.microsoft.com/office/powerpoint/2010/main" val="1914844889"/>
+      </p:ext>
+    </p:extLst>
+  </p:cSld>
+  <p:clrMapOvr>
+    <a:masterClrMapping/>
+  </p:clrMapOvr>
+</p:sld>
+</file>
+
+<file path=ppt/slides/slide16.xml><?xml version="1.0" encoding="utf-8"?>
+<p:sld xmlns:a="http://schemas.openxmlformats.org/drawingml/2006/main" xmlns:r="http://schemas.openxmlformats.org/officeDocument/2006/relationships" xmlns:p="http://schemas.openxmlformats.org/presentationml/2006/main">
+  <p:cSld>
+    <p:spTree>
+      <p:nvGrpSpPr>
+        <p:cNvPr id="1" name=""/>
+        <p:cNvGrpSpPr/>
+        <p:nvPr/>
+      </p:nvGrpSpPr>
+      <p:grpSpPr>
+        <a:xfrm>
+          <a:off x="0" y="0"/>
+          <a:ext cx="0" cy="0"/>
+          <a:chOff x="0" y="0"/>
+          <a:chExt cx="0" cy="0"/>
+        </a:xfrm>
+      </p:grpSpPr>
+      <p:sp>
+        <p:nvSpPr>
+          <p:cNvPr id="2" name="Title 1"/>
+          <p:cNvSpPr>
+            <a:spLocks noGrp="1"/>
+          </p:cNvSpPr>
+          <p:nvPr>
+            <p:ph type="title"/>
+          </p:nvPr>
+        </p:nvSpPr>
+        <p:spPr/>
+        <p:txBody>
+          <a:bodyPr/>
+          <a:lstStyle/>
+          <a:p>
+            <a:r>
+              <a:rPr lang="en-IN" dirty="0" smtClean="0"/>
               <a:t>               Data Science - Introduction</a:t>
             </a:r>
             <a:endParaRPr lang="en-IN" dirty="0"/>
@@ -4630,7 +4922,93 @@
 </p:sld>
 </file>
 
-<file path=ppt/slides/slide14.xml><?xml version="1.0" encoding="utf-8"?>
+<file path=ppt/slides/slide17.xml><?xml version="1.0" encoding="utf-8"?>
+<p:sld xmlns:a="http://schemas.openxmlformats.org/drawingml/2006/main" xmlns:r="http://schemas.openxmlformats.org/officeDocument/2006/relationships" xmlns:p="http://schemas.openxmlformats.org/presentationml/2006/main">
+  <p:cSld>
+    <p:spTree>
+      <p:nvGrpSpPr>
+        <p:cNvPr id="1" name=""/>
+        <p:cNvGrpSpPr/>
+        <p:nvPr/>
+      </p:nvGrpSpPr>
+      <p:grpSpPr>
+        <a:xfrm>
+          <a:off x="0" y="0"/>
+          <a:ext cx="0" cy="0"/>
+          <a:chOff x="0" y="0"/>
+          <a:chExt cx="0" cy="0"/>
+        </a:xfrm>
+      </p:grpSpPr>
+      <p:sp>
+        <p:nvSpPr>
+          <p:cNvPr id="2" name="Title 1"/>
+          <p:cNvSpPr>
+            <a:spLocks noGrp="1"/>
+          </p:cNvSpPr>
+          <p:nvPr>
+            <p:ph type="title"/>
+          </p:nvPr>
+        </p:nvSpPr>
+        <p:spPr/>
+        <p:txBody>
+          <a:bodyPr/>
+          <a:lstStyle/>
+          <a:p>
+            <a:r>
+              <a:rPr lang="en-IN" dirty="0" smtClean="0"/>
+              <a:t>Data Scientist </a:t>
+            </a:r>
+            <a:r>
+              <a:rPr lang="en-IN" dirty="0" err="1" smtClean="0"/>
+              <a:t>PayScale</a:t>
+            </a:r>
+            <a:endParaRPr lang="en-IN" dirty="0"/>
+          </a:p>
+        </p:txBody>
+      </p:sp>
+      <p:pic>
+        <p:nvPicPr>
+          <p:cNvPr id="4" name="Content Placeholder 3"/>
+          <p:cNvPicPr>
+            <a:picLocks noGrp="1" noChangeAspect="1"/>
+          </p:cNvPicPr>
+          <p:nvPr>
+            <p:ph idx="1"/>
+          </p:nvPr>
+        </p:nvPicPr>
+        <p:blipFill>
+          <a:blip r:embed="rId2">
+            <a:extLst>
+              <a:ext uri="{28A0092B-C50C-407E-A947-70E740481C1C}">
+                <a14:useLocalDpi xmlns:a14="http://schemas.microsoft.com/office/drawing/2010/main" val="0"/>
+              </a:ext>
+            </a:extLst>
+          </a:blip>
+          <a:stretch>
+            <a:fillRect/>
+          </a:stretch>
+        </p:blipFill>
+        <p:spPr>
+          <a:xfrm>
+            <a:off x="1339403" y="1558344"/>
+            <a:ext cx="7868991" cy="4984123"/>
+          </a:xfrm>
+        </p:spPr>
+      </p:pic>
+    </p:spTree>
+    <p:extLst>
+      <p:ext uri="{BB962C8B-B14F-4D97-AF65-F5344CB8AC3E}">
+        <p14:creationId xmlns:p14="http://schemas.microsoft.com/office/powerpoint/2010/main" val="3251530294"/>
+      </p:ext>
+    </p:extLst>
+  </p:cSld>
+  <p:clrMapOvr>
+    <a:masterClrMapping/>
+  </p:clrMapOvr>
+</p:sld>
+</file>
+
+<file path=ppt/slides/slide18.xml><?xml version="1.0" encoding="utf-8"?>
 <p:sld xmlns:a="http://schemas.openxmlformats.org/drawingml/2006/main" xmlns:r="http://schemas.openxmlformats.org/officeDocument/2006/relationships" xmlns:p="http://schemas.openxmlformats.org/presentationml/2006/main">
   <p:cSld>
     <p:spTree>
@@ -4784,7 +5162,7 @@
           <p:cNvPr id="10" name="Rectangle 9">
             <a:extLst>
               <a:ext uri="{FF2B5EF4-FFF2-40B4-BE49-F238E27FC236}">
-                <a16:creationId xmlns:a16="http://schemas.microsoft.com/office/drawing/2014/main" xmlns="" id="{047C8CCB-F95D-4249-92DD-651249D3535A}"/>
+                <a16:creationId xmlns="" xmlns:a16="http://schemas.microsoft.com/office/drawing/2014/main" id="{047C8CCB-F95D-4249-92DD-651249D3535A}"/>
               </a:ext>
             </a:extLst>
           </p:cNvPr>
@@ -4794,7 +5172,7 @@
           <p:nvPr>
             <p:extLst>
               <p:ext uri="{386F3935-93C4-4BCD-93E2-E3B085C9AB24}">
-                <p16:designElem xmlns:p16="http://schemas.microsoft.com/office/powerpoint/2015/main" xmlns="" val="1"/>
+                <p16:designElem xmlns="" xmlns:p16="http://schemas.microsoft.com/office/powerpoint/2015/main" val="1"/>
               </p:ext>
             </p:extLst>
           </p:nvPr>
@@ -4847,7 +5225,7 @@
           <p:cNvPr id="5" name="Content Placeholder 4">
             <a:extLst>
               <a:ext uri="{FF2B5EF4-FFF2-40B4-BE49-F238E27FC236}">
-                <a16:creationId xmlns:a16="http://schemas.microsoft.com/office/drawing/2014/main" xmlns="" id="{C43B10D7-FFCF-4C81-84F6-2E54FC187BBF}"/>
+                <a16:creationId xmlns="" xmlns:a16="http://schemas.microsoft.com/office/drawing/2014/main" id="{C43B10D7-FFCF-4C81-84F6-2E54FC187BBF}"/>
               </a:ext>
             </a:extLst>
           </p:cNvPr>
@@ -4885,7 +5263,7 @@
           <p:cNvPr id="2" name="Title 1">
             <a:extLst>
               <a:ext uri="{FF2B5EF4-FFF2-40B4-BE49-F238E27FC236}">
-                <a16:creationId xmlns:a16="http://schemas.microsoft.com/office/drawing/2014/main" xmlns="" id="{C93F85CD-6066-4732-B0C6-5409B061EB06}"/>
+                <a16:creationId xmlns="" xmlns:a16="http://schemas.microsoft.com/office/drawing/2014/main" id="{C93F85CD-6066-4732-B0C6-5409B061EB06}"/>
               </a:ext>
             </a:extLst>
           </p:cNvPr>
@@ -4945,7 +5323,7 @@
           <p:cNvPr id="6" name="TextBox 5">
             <a:extLst>
               <a:ext uri="{FF2B5EF4-FFF2-40B4-BE49-F238E27FC236}">
-                <a16:creationId xmlns:a16="http://schemas.microsoft.com/office/drawing/2014/main" xmlns="" id="{42FAC7CE-952E-4631-BE69-455441E08E24}"/>
+                <a16:creationId xmlns="" xmlns:a16="http://schemas.microsoft.com/office/drawing/2014/main" id="{42FAC7CE-952E-4631-BE69-455441E08E24}"/>
               </a:ext>
             </a:extLst>
           </p:cNvPr>
@@ -5143,7 +5521,7 @@
             <a:spLocks noGrp="1"/>
           </p:cNvSpPr>
           <p:nvPr>
-            <p:ph type="ctrTitle"/>
+            <p:ph type="title"/>
           </p:nvPr>
         </p:nvSpPr>
         <p:spPr/>
@@ -5153,7 +5531,7 @@
           <a:p>
             <a:r>
               <a:rPr lang="en-IN" dirty="0" smtClean="0"/>
-              <a:t>Web Scraping</a:t>
+              <a:t>Things I did using python</a:t>
             </a:r>
             <a:endParaRPr lang="en-IN" dirty="0"/>
           </a:p>
@@ -5161,35 +5539,127 @@
       </p:sp>
       <p:sp>
         <p:nvSpPr>
-          <p:cNvPr id="3" name="Subtitle 2"/>
-          <p:cNvSpPr>
-            <a:spLocks noGrp="1"/>
-          </p:cNvSpPr>
-          <p:nvPr>
-            <p:ph type="subTitle" idx="1"/>
+          <p:cNvPr id="3" name="Content Placeholder 2"/>
+          <p:cNvSpPr>
+            <a:spLocks noGrp="1"/>
+          </p:cNvSpPr>
+          <p:nvPr>
+            <p:ph idx="1"/>
           </p:nvPr>
         </p:nvSpPr>
         <p:spPr/>
         <p:txBody>
-          <a:bodyPr>
-            <a:normAutofit/>
-          </a:bodyPr>
-          <a:lstStyle/>
-          <a:p>
+          <a:bodyPr/>
+          <a:lstStyle/>
+          <a:p>
+            <a:r>
+              <a:rPr lang="en-IN" dirty="0" err="1" smtClean="0"/>
+              <a:t>Pygame</a:t>
+            </a:r>
+            <a:r>
+              <a:rPr lang="en-IN" dirty="0" smtClean="0"/>
+              <a:t> </a:t>
+            </a:r>
+          </a:p>
+          <a:p>
+            <a:r>
+              <a:rPr lang="en-IN" dirty="0" smtClean="0"/>
+              <a:t>Browser automation</a:t>
+            </a:r>
+          </a:p>
+          <a:p>
+            <a:r>
+              <a:rPr lang="en-IN" dirty="0" smtClean="0"/>
+              <a:t>Web crawling</a:t>
+            </a:r>
+          </a:p>
+          <a:p>
+            <a:r>
+              <a:rPr lang="en-IN" dirty="0" smtClean="0"/>
+              <a:t>Excel automation</a:t>
+            </a:r>
+          </a:p>
+          <a:p>
+            <a:endParaRPr lang="en-IN" dirty="0"/>
+          </a:p>
+          <a:p>
+            <a:pPr marL="0" indent="0">
+              <a:buNone/>
+            </a:pPr>
+            <a:r>
+              <a:rPr lang="en-IN" dirty="0"/>
+              <a:t> </a:t>
+            </a:r>
+            <a:r>
+              <a:rPr lang="en-IN" dirty="0" smtClean="0"/>
+              <a:t>                        </a:t>
+            </a:r>
+          </a:p>
+          <a:p>
+            <a:pPr marL="0" indent="0">
+              <a:buNone/>
+            </a:pPr>
+            <a:endParaRPr lang="en-IN" dirty="0"/>
+          </a:p>
+          <a:p>
+            <a:pPr marL="0" indent="0">
+              <a:buNone/>
+            </a:pPr>
+            <a:r>
+              <a:rPr lang="en-IN" dirty="0" smtClean="0"/>
+              <a:t>			https</a:t>
+            </a:r>
+            <a:r>
+              <a:rPr lang="en-IN" dirty="0"/>
+              <a:t>://github.com/VarunAravinth</a:t>
+            </a:r>
             <a:endParaRPr lang="en-IN" dirty="0" smtClean="0"/>
           </a:p>
           <a:p>
+            <a:pPr marL="0" indent="0">
+              <a:buNone/>
+            </a:pPr>
+            <a:endParaRPr lang="en-IN" dirty="0" smtClean="0"/>
+          </a:p>
+          <a:p>
             <a:endParaRPr lang="en-IN" dirty="0"/>
           </a:p>
-          <a:p>
-            <a:endParaRPr lang="en-IN" dirty="0"/>
-          </a:p>
-        </p:txBody>
-      </p:sp>
+        </p:txBody>
+      </p:sp>
+      <p:pic>
+        <p:nvPicPr>
+          <p:cNvPr id="4" name="Picture 3"/>
+          <p:cNvPicPr>
+            <a:picLocks noChangeAspect="1"/>
+          </p:cNvPicPr>
+          <p:nvPr/>
+        </p:nvPicPr>
+        <p:blipFill>
+          <a:blip r:embed="rId2" cstate="print">
+            <a:extLst>
+              <a:ext uri="{28A0092B-C50C-407E-A947-70E740481C1C}">
+                <a14:useLocalDpi xmlns:a14="http://schemas.microsoft.com/office/drawing/2010/main" val="0"/>
+              </a:ext>
+            </a:extLst>
+          </a:blip>
+          <a:stretch>
+            <a:fillRect/>
+          </a:stretch>
+        </p:blipFill>
+        <p:spPr>
+          <a:xfrm>
+            <a:off x="1506827" y="5254313"/>
+            <a:ext cx="1861265" cy="690658"/>
+          </a:xfrm>
+          <a:prstGeom prst="rect">
+            <a:avLst/>
+          </a:prstGeom>
+        </p:spPr>
+      </p:pic>
     </p:spTree>
     <p:extLst>
       <p:ext uri="{BB962C8B-B14F-4D97-AF65-F5344CB8AC3E}">
-        <p14:creationId xmlns:p14="http://schemas.microsoft.com/office/powerpoint/2010/main" val="2199872774"/>
+        <p14:creationId xmlns:p14="http://schemas.microsoft.com/office/powerpoint/2010/main" val="2694435114"/>
       </p:ext>
     </p:extLst>
   </p:cSld>
@@ -5223,6 +5693,86 @@
             <a:spLocks noGrp="1"/>
           </p:cNvSpPr>
           <p:nvPr>
+            <p:ph type="ctrTitle"/>
+          </p:nvPr>
+        </p:nvSpPr>
+        <p:spPr/>
+        <p:txBody>
+          <a:bodyPr/>
+          <a:lstStyle/>
+          <a:p>
+            <a:r>
+              <a:rPr lang="en-IN" dirty="0" smtClean="0"/>
+              <a:t>Web Scraping</a:t>
+            </a:r>
+            <a:endParaRPr lang="en-IN" dirty="0"/>
+          </a:p>
+        </p:txBody>
+      </p:sp>
+      <p:sp>
+        <p:nvSpPr>
+          <p:cNvPr id="3" name="Subtitle 2"/>
+          <p:cNvSpPr>
+            <a:spLocks noGrp="1"/>
+          </p:cNvSpPr>
+          <p:nvPr>
+            <p:ph type="subTitle" idx="1"/>
+          </p:nvPr>
+        </p:nvSpPr>
+        <p:spPr/>
+        <p:txBody>
+          <a:bodyPr>
+            <a:normAutofit/>
+          </a:bodyPr>
+          <a:lstStyle/>
+          <a:p>
+            <a:endParaRPr lang="en-IN" dirty="0" smtClean="0"/>
+          </a:p>
+          <a:p>
+            <a:endParaRPr lang="en-IN" dirty="0"/>
+          </a:p>
+          <a:p>
+            <a:endParaRPr lang="en-IN" dirty="0"/>
+          </a:p>
+        </p:txBody>
+      </p:sp>
+    </p:spTree>
+    <p:extLst>
+      <p:ext uri="{BB962C8B-B14F-4D97-AF65-F5344CB8AC3E}">
+        <p14:creationId xmlns:p14="http://schemas.microsoft.com/office/powerpoint/2010/main" val="2199872774"/>
+      </p:ext>
+    </p:extLst>
+  </p:cSld>
+  <p:clrMapOvr>
+    <a:masterClrMapping/>
+  </p:clrMapOvr>
+</p:sld>
+</file>
+
+<file path=ppt/slides/slide6.xml><?xml version="1.0" encoding="utf-8"?>
+<p:sld xmlns:a="http://schemas.openxmlformats.org/drawingml/2006/main" xmlns:r="http://schemas.openxmlformats.org/officeDocument/2006/relationships" xmlns:p="http://schemas.openxmlformats.org/presentationml/2006/main">
+  <p:cSld>
+    <p:spTree>
+      <p:nvGrpSpPr>
+        <p:cNvPr id="1" name=""/>
+        <p:cNvGrpSpPr/>
+        <p:nvPr/>
+      </p:nvGrpSpPr>
+      <p:grpSpPr>
+        <a:xfrm>
+          <a:off x="0" y="0"/>
+          <a:ext cx="0" cy="0"/>
+          <a:chOff x="0" y="0"/>
+          <a:chExt cx="0" cy="0"/>
+        </a:xfrm>
+      </p:grpSpPr>
+      <p:sp>
+        <p:nvSpPr>
+          <p:cNvPr id="2" name="Title 1"/>
+          <p:cNvSpPr>
+            <a:spLocks noGrp="1"/>
+          </p:cNvSpPr>
+          <p:nvPr>
             <p:ph type="title"/>
           </p:nvPr>
         </p:nvSpPr>
@@ -5327,7 +5877,7 @@
 </p:sld>
 </file>
 
-<file path=ppt/slides/slide6.xml><?xml version="1.0" encoding="utf-8"?>
+<file path=ppt/slides/slide7.xml><?xml version="1.0" encoding="utf-8"?>
 <p:sld xmlns:a="http://schemas.openxmlformats.org/drawingml/2006/main" xmlns:r="http://schemas.openxmlformats.org/officeDocument/2006/relationships" xmlns:p="http://schemas.openxmlformats.org/presentationml/2006/main">
   <p:cSld>
     <p:spTree>
@@ -5449,7 +5999,7 @@
 </p:sld>
 </file>
 
-<file path=ppt/slides/slide7.xml><?xml version="1.0" encoding="utf-8"?>
+<file path=ppt/slides/slide8.xml><?xml version="1.0" encoding="utf-8"?>
 <p:sld xmlns:a="http://schemas.openxmlformats.org/drawingml/2006/main" xmlns:r="http://schemas.openxmlformats.org/officeDocument/2006/relationships" xmlns:p="http://schemas.openxmlformats.org/presentationml/2006/main">
   <p:cSld>
     <p:spTree>
@@ -5535,161 +6085,6 @@
     <p:extLst>
       <p:ext uri="{BB962C8B-B14F-4D97-AF65-F5344CB8AC3E}">
         <p14:creationId xmlns:p14="http://schemas.microsoft.com/office/powerpoint/2010/main" val="1161464253"/>
-      </p:ext>
-    </p:extLst>
-  </p:cSld>
-  <p:clrMapOvr>
-    <a:masterClrMapping/>
-  </p:clrMapOvr>
-</p:sld>
-</file>
-
-<file path=ppt/slides/slide8.xml><?xml version="1.0" encoding="utf-8"?>
-<p:sld xmlns:a="http://schemas.openxmlformats.org/drawingml/2006/main" xmlns:r="http://schemas.openxmlformats.org/officeDocument/2006/relationships" xmlns:p="http://schemas.openxmlformats.org/presentationml/2006/main">
-  <p:cSld>
-    <p:spTree>
-      <p:nvGrpSpPr>
-        <p:cNvPr id="1" name=""/>
-        <p:cNvGrpSpPr/>
-        <p:nvPr/>
-      </p:nvGrpSpPr>
-      <p:grpSpPr>
-        <a:xfrm>
-          <a:off x="0" y="0"/>
-          <a:ext cx="0" cy="0"/>
-          <a:chOff x="0" y="0"/>
-          <a:chExt cx="0" cy="0"/>
-        </a:xfrm>
-      </p:grpSpPr>
-      <p:sp>
-        <p:nvSpPr>
-          <p:cNvPr id="3" name="Subtitle 2"/>
-          <p:cNvSpPr>
-            <a:spLocks noGrp="1"/>
-          </p:cNvSpPr>
-          <p:nvPr>
-            <p:ph type="subTitle" idx="1"/>
-          </p:nvPr>
-        </p:nvSpPr>
-        <p:spPr>
-          <a:xfrm>
-            <a:off x="734095" y="425004"/>
-            <a:ext cx="10998558" cy="2884866"/>
-          </a:xfrm>
-        </p:spPr>
-        <p:txBody>
-          <a:bodyPr/>
-          <a:lstStyle/>
-          <a:p>
-            <a:endParaRPr lang="en-IN" dirty="0" smtClean="0"/>
-          </a:p>
-          <a:p>
-            <a:endParaRPr lang="en-IN" dirty="0"/>
-          </a:p>
-          <a:p>
-            <a:endParaRPr lang="en-IN" dirty="0" smtClean="0"/>
-          </a:p>
-          <a:p>
-            <a:endParaRPr lang="en-IN" dirty="0"/>
-          </a:p>
-          <a:p>
-            <a:endParaRPr lang="en-IN" dirty="0" smtClean="0"/>
-          </a:p>
-          <a:p>
-            <a:endParaRPr lang="en-IN" dirty="0"/>
-          </a:p>
-          <a:p>
-            <a:endParaRPr lang="en-IN" dirty="0" smtClean="0"/>
-          </a:p>
-          <a:p>
-            <a:endParaRPr lang="en-IN" dirty="0" smtClean="0"/>
-          </a:p>
-        </p:txBody>
-      </p:sp>
-      <p:pic>
-        <p:nvPicPr>
-          <p:cNvPr id="5" name="Picture 4"/>
-          <p:cNvPicPr>
-            <a:picLocks noChangeAspect="1"/>
-          </p:cNvPicPr>
-          <p:nvPr/>
-        </p:nvPicPr>
-        <p:blipFill rotWithShape="1">
-          <a:blip r:embed="rId2"/>
-          <a:srcRect t="25849" r="9281" b="18538"/>
-          <a:stretch/>
-        </p:blipFill>
-        <p:spPr>
-          <a:xfrm>
-            <a:off x="734095" y="425003"/>
-            <a:ext cx="9131122" cy="3271233"/>
-          </a:xfrm>
-          <a:prstGeom prst="rect">
-            <a:avLst/>
-          </a:prstGeom>
-        </p:spPr>
-      </p:pic>
-      <p:sp>
-        <p:nvSpPr>
-          <p:cNvPr id="7" name="TextBox 6"/>
-          <p:cNvSpPr txBox="1"/>
-          <p:nvPr/>
-        </p:nvSpPr>
-        <p:spPr>
-          <a:xfrm>
-            <a:off x="734095" y="4185634"/>
-            <a:ext cx="10328857" cy="1754326"/>
-          </a:xfrm>
-          <a:prstGeom prst="rect">
-            <a:avLst/>
-          </a:prstGeom>
-          <a:noFill/>
-        </p:spPr>
-        <p:txBody>
-          <a:bodyPr wrap="square" rtlCol="0">
-            <a:spAutoFit/>
-          </a:bodyPr>
-          <a:lstStyle/>
-          <a:p>
-            <a:endParaRPr lang="en-IN" dirty="0" smtClean="0"/>
-          </a:p>
-          <a:p>
-            <a:endParaRPr lang="en-IN" dirty="0"/>
-          </a:p>
-          <a:p>
-            <a:endParaRPr lang="en-IN" dirty="0" smtClean="0"/>
-          </a:p>
-          <a:p>
-            <a:r>
-              <a:rPr lang="en-IN" dirty="0" smtClean="0"/>
-              <a:t>The final output of the spider code will be a </a:t>
-            </a:r>
-            <a:r>
-              <a:rPr lang="en-IN" dirty="0" err="1" smtClean="0"/>
-              <a:t>csv</a:t>
-            </a:r>
-            <a:r>
-              <a:rPr lang="en-IN" dirty="0" smtClean="0"/>
-              <a:t> file [ note : can be a </a:t>
-            </a:r>
-            <a:r>
-              <a:rPr lang="en-IN" dirty="0" err="1" smtClean="0"/>
-              <a:t>json</a:t>
-            </a:r>
-            <a:r>
-              <a:rPr lang="en-IN" dirty="0" smtClean="0"/>
-              <a:t> file if required], with the data as shown in the table.</a:t>
-            </a:r>
-          </a:p>
-          <a:p>
-            <a:endParaRPr lang="en-IN" dirty="0"/>
-          </a:p>
-        </p:txBody>
-      </p:sp>
-    </p:spTree>
-    <p:extLst>
-      <p:ext uri="{BB962C8B-B14F-4D97-AF65-F5344CB8AC3E}">
-        <p14:creationId xmlns:p14="http://schemas.microsoft.com/office/powerpoint/2010/main" val="469342467"/>
       </p:ext>
     </p:extLst>
   </p:cSld>
@@ -5718,14 +6113,82 @@
       </p:grpSpPr>
       <p:sp>
         <p:nvSpPr>
-          <p:cNvPr id="4" name="TextBox 3"/>
+          <p:cNvPr id="3" name="Subtitle 2"/>
+          <p:cNvSpPr>
+            <a:spLocks noGrp="1"/>
+          </p:cNvSpPr>
+          <p:nvPr>
+            <p:ph type="subTitle" idx="1"/>
+          </p:nvPr>
+        </p:nvSpPr>
+        <p:spPr>
+          <a:xfrm>
+            <a:off x="734095" y="425004"/>
+            <a:ext cx="10998558" cy="2884866"/>
+          </a:xfrm>
+        </p:spPr>
+        <p:txBody>
+          <a:bodyPr/>
+          <a:lstStyle/>
+          <a:p>
+            <a:endParaRPr lang="en-IN" dirty="0" smtClean="0"/>
+          </a:p>
+          <a:p>
+            <a:endParaRPr lang="en-IN" dirty="0"/>
+          </a:p>
+          <a:p>
+            <a:endParaRPr lang="en-IN" dirty="0" smtClean="0"/>
+          </a:p>
+          <a:p>
+            <a:endParaRPr lang="en-IN" dirty="0"/>
+          </a:p>
+          <a:p>
+            <a:endParaRPr lang="en-IN" dirty="0" smtClean="0"/>
+          </a:p>
+          <a:p>
+            <a:endParaRPr lang="en-IN" dirty="0"/>
+          </a:p>
+          <a:p>
+            <a:endParaRPr lang="en-IN" dirty="0" smtClean="0"/>
+          </a:p>
+          <a:p>
+            <a:endParaRPr lang="en-IN" dirty="0" smtClean="0"/>
+          </a:p>
+        </p:txBody>
+      </p:sp>
+      <p:pic>
+        <p:nvPicPr>
+          <p:cNvPr id="5" name="Picture 4"/>
+          <p:cNvPicPr>
+            <a:picLocks noChangeAspect="1"/>
+          </p:cNvPicPr>
+          <p:nvPr/>
+        </p:nvPicPr>
+        <p:blipFill rotWithShape="1">
+          <a:blip r:embed="rId2"/>
+          <a:srcRect t="25849" r="9281" b="18538"/>
+          <a:stretch/>
+        </p:blipFill>
+        <p:spPr>
+          <a:xfrm>
+            <a:off x="734095" y="425003"/>
+            <a:ext cx="9131122" cy="3271233"/>
+          </a:xfrm>
+          <a:prstGeom prst="rect">
+            <a:avLst/>
+          </a:prstGeom>
+        </p:spPr>
+      </p:pic>
+      <p:sp>
+        <p:nvSpPr>
+          <p:cNvPr id="7" name="TextBox 6"/>
           <p:cNvSpPr txBox="1"/>
           <p:nvPr/>
         </p:nvSpPr>
         <p:spPr>
           <a:xfrm>
-            <a:off x="244699" y="399245"/>
-            <a:ext cx="11384924" cy="1477328"/>
+            <a:off x="734095" y="4185634"/>
+            <a:ext cx="10328857" cy="1754326"/>
           </a:xfrm>
           <a:prstGeom prst="rect">
             <a:avLst/>
@@ -5738,51 +6201,37 @@
           </a:bodyPr>
           <a:lstStyle/>
           <a:p>
+            <a:endParaRPr lang="en-IN" dirty="0" smtClean="0"/>
+          </a:p>
+          <a:p>
+            <a:endParaRPr lang="en-IN" dirty="0"/>
+          </a:p>
+          <a:p>
+            <a:endParaRPr lang="en-IN" dirty="0" smtClean="0"/>
+          </a:p>
+          <a:p>
             <a:r>
               <a:rPr lang="en-IN" dirty="0" smtClean="0"/>
-              <a:t>The data obtained from such websites can be used in many ways.</a:t>
-            </a:r>
-          </a:p>
-          <a:p>
-            <a:endParaRPr lang="en-IN" dirty="0" smtClean="0"/>
-          </a:p>
-          <a:p>
+              <a:t>The final output of the spider code will be a </a:t>
+            </a:r>
+            <a:r>
+              <a:rPr lang="en-IN" dirty="0" err="1" smtClean="0"/>
+              <a:t>csv</a:t>
+            </a:r>
             <a:r>
               <a:rPr lang="en-IN" dirty="0" smtClean="0"/>
-              <a:t>The following output file can be used to feed into another system for processing and filtering various companies which can do the respective work and has a good review.</a:t>
-            </a:r>
-          </a:p>
-          <a:p>
-            <a:endParaRPr lang="en-IN" dirty="0"/>
-          </a:p>
-        </p:txBody>
-      </p:sp>
-      <p:sp>
-        <p:nvSpPr>
-          <p:cNvPr id="6" name="TextBox 5"/>
-          <p:cNvSpPr txBox="1"/>
-          <p:nvPr/>
-        </p:nvSpPr>
-        <p:spPr>
-          <a:xfrm>
-            <a:off x="360608" y="2408349"/>
-            <a:ext cx="11269015" cy="646331"/>
-          </a:xfrm>
-          <a:prstGeom prst="rect">
-            <a:avLst/>
-          </a:prstGeom>
-          <a:noFill/>
-        </p:spPr>
-        <p:txBody>
-          <a:bodyPr wrap="square" rtlCol="0">
-            <a:spAutoFit/>
-          </a:bodyPr>
-          <a:lstStyle/>
-          <a:p>
+              <a:t> file [ note : can be a </a:t>
+            </a:r>
+            <a:r>
+              <a:rPr lang="en-IN" dirty="0" err="1" smtClean="0"/>
+              <a:t>json</a:t>
+            </a:r>
             <a:r>
               <a:rPr lang="en-IN" dirty="0" smtClean="0"/>
-              <a:t>NOTE : As shown for this sample site, the following can be done for many websites which contain much more important information and be processed in an effective way.</a:t>
-            </a:r>
+              <a:t> file if required], with the data as shown in the table.</a:t>
+            </a:r>
+          </a:p>
+          <a:p>
             <a:endParaRPr lang="en-IN" dirty="0"/>
           </a:p>
         </p:txBody>
@@ -5790,7 +6239,7 @@
     </p:spTree>
     <p:extLst>
       <p:ext uri="{BB962C8B-B14F-4D97-AF65-F5344CB8AC3E}">
-        <p14:creationId xmlns:p14="http://schemas.microsoft.com/office/powerpoint/2010/main" val="640280662"/>
+        <p14:creationId xmlns:p14="http://schemas.microsoft.com/office/powerpoint/2010/main" val="469342467"/>
       </p:ext>
     </p:extLst>
   </p:cSld>
